--- a/課題11月1から開始/ゲーム制作2D.pptx
+++ b/課題11月1から開始/ゲーム制作2D.pptx
@@ -10,6 +10,7 @@
     <p:sldId id="258" r:id="rId4"/>
     <p:sldId id="262" r:id="rId5"/>
     <p:sldId id="259" r:id="rId6"/>
+    <p:sldId id="263" r:id="rId7"/>
   </p:sldIdLst>
   <p:sldSz cx="12192000" cy="6858000"/>
   <p:notesSz cx="6858000" cy="9144000"/>
@@ -116,6 +117,18 @@
 </p:presentation>
 </file>
 
+<file path=ppt/commentAuthors.xml><?xml version="1.0" encoding="utf-8"?>
+<p:cmAuthorLst xmlns:a="http://schemas.openxmlformats.org/drawingml/2006/main" xmlns:r="http://schemas.openxmlformats.org/officeDocument/2006/relationships" xmlns:p="http://schemas.openxmlformats.org/presentationml/2006/main">
+  <p:cmAuthor id="1" name="立石　喜遼" initials="立石　喜遼" lastIdx="1" clrIdx="0">
+    <p:extLst>
+      <p:ext uri="{19B8F6BF-5375-455C-9EA6-DF929625EA0E}">
+        <p15:presenceInfo xmlns:p15="http://schemas.microsoft.com/office/powerpoint/2012/main" userId="S::fko2447030@stu.o-hara.ac.jp::fa9491ef-811e-41d2-bb87-9830214f9170" providerId="AD"/>
+      </p:ext>
+    </p:extLst>
+  </p:cmAuthor>
+</p:cmAuthorLst>
+</file>
+
 <file path=ppt/slideLayouts/slideLayout1.xml><?xml version="1.0" encoding="utf-8"?>
 <p:sldLayout xmlns:a="http://schemas.openxmlformats.org/drawingml/2006/main" xmlns:r="http://schemas.openxmlformats.org/officeDocument/2006/relationships" xmlns:p="http://schemas.openxmlformats.org/presentationml/2006/main" type="title" preserve="1">
   <p:cSld name="タイトル スライド">
@@ -263,7 +276,7 @@
           <a:p>
             <a:fld id="{7923FB9C-3109-46A3-A049-6A95D95C58D4}" type="datetimeFigureOut">
               <a:rPr kumimoji="1" lang="ja-JP" altLang="en-US" smtClean="0"/>
-              <a:t>2024/11/6</a:t>
+              <a:t>2024/12/2</a:t>
             </a:fld>
             <a:endParaRPr kumimoji="1" lang="ja-JP" altLang="en-US"/>
           </a:p>
@@ -493,7 +506,7 @@
           <a:p>
             <a:fld id="{7923FB9C-3109-46A3-A049-6A95D95C58D4}" type="datetimeFigureOut">
               <a:rPr kumimoji="1" lang="ja-JP" altLang="en-US" smtClean="0"/>
-              <a:t>2024/11/6</a:t>
+              <a:t>2024/12/2</a:t>
             </a:fld>
             <a:endParaRPr kumimoji="1" lang="ja-JP" altLang="en-US"/>
           </a:p>
@@ -733,7 +746,7 @@
           <a:p>
             <a:fld id="{7923FB9C-3109-46A3-A049-6A95D95C58D4}" type="datetimeFigureOut">
               <a:rPr kumimoji="1" lang="ja-JP" altLang="en-US" smtClean="0"/>
-              <a:t>2024/11/6</a:t>
+              <a:t>2024/12/2</a:t>
             </a:fld>
             <a:endParaRPr kumimoji="1" lang="ja-JP" altLang="en-US"/>
           </a:p>
@@ -963,7 +976,7 @@
           <a:p>
             <a:fld id="{7923FB9C-3109-46A3-A049-6A95D95C58D4}" type="datetimeFigureOut">
               <a:rPr kumimoji="1" lang="ja-JP" altLang="en-US" smtClean="0"/>
-              <a:t>2024/11/6</a:t>
+              <a:t>2024/12/2</a:t>
             </a:fld>
             <a:endParaRPr kumimoji="1" lang="ja-JP" altLang="en-US"/>
           </a:p>
@@ -1238,7 +1251,7 @@
           <a:p>
             <a:fld id="{7923FB9C-3109-46A3-A049-6A95D95C58D4}" type="datetimeFigureOut">
               <a:rPr kumimoji="1" lang="ja-JP" altLang="en-US" smtClean="0"/>
-              <a:t>2024/11/6</a:t>
+              <a:t>2024/12/2</a:t>
             </a:fld>
             <a:endParaRPr kumimoji="1" lang="ja-JP" altLang="en-US"/>
           </a:p>
@@ -1567,7 +1580,7 @@
           <a:p>
             <a:fld id="{7923FB9C-3109-46A3-A049-6A95D95C58D4}" type="datetimeFigureOut">
               <a:rPr kumimoji="1" lang="ja-JP" altLang="en-US" smtClean="0"/>
-              <a:t>2024/11/6</a:t>
+              <a:t>2024/12/2</a:t>
             </a:fld>
             <a:endParaRPr kumimoji="1" lang="ja-JP" altLang="en-US"/>
           </a:p>
@@ -2043,7 +2056,7 @@
           <a:p>
             <a:fld id="{7923FB9C-3109-46A3-A049-6A95D95C58D4}" type="datetimeFigureOut">
               <a:rPr kumimoji="1" lang="ja-JP" altLang="en-US" smtClean="0"/>
-              <a:t>2024/11/6</a:t>
+              <a:t>2024/12/2</a:t>
             </a:fld>
             <a:endParaRPr kumimoji="1" lang="ja-JP" altLang="en-US"/>
           </a:p>
@@ -2184,7 +2197,7 @@
           <a:p>
             <a:fld id="{7923FB9C-3109-46A3-A049-6A95D95C58D4}" type="datetimeFigureOut">
               <a:rPr kumimoji="1" lang="ja-JP" altLang="en-US" smtClean="0"/>
-              <a:t>2024/11/6</a:t>
+              <a:t>2024/12/2</a:t>
             </a:fld>
             <a:endParaRPr kumimoji="1" lang="ja-JP" altLang="en-US"/>
           </a:p>
@@ -2297,7 +2310,7 @@
           <a:p>
             <a:fld id="{7923FB9C-3109-46A3-A049-6A95D95C58D4}" type="datetimeFigureOut">
               <a:rPr kumimoji="1" lang="ja-JP" altLang="en-US" smtClean="0"/>
-              <a:t>2024/11/6</a:t>
+              <a:t>2024/12/2</a:t>
             </a:fld>
             <a:endParaRPr kumimoji="1" lang="ja-JP" altLang="en-US"/>
           </a:p>
@@ -2640,7 +2653,7 @@
           <a:p>
             <a:fld id="{7923FB9C-3109-46A3-A049-6A95D95C58D4}" type="datetimeFigureOut">
               <a:rPr kumimoji="1" lang="ja-JP" altLang="en-US" smtClean="0"/>
-              <a:t>2024/11/6</a:t>
+              <a:t>2024/12/2</a:t>
             </a:fld>
             <a:endParaRPr kumimoji="1" lang="ja-JP" altLang="en-US"/>
           </a:p>
@@ -2928,7 +2941,7 @@
           <a:p>
             <a:fld id="{7923FB9C-3109-46A3-A049-6A95D95C58D4}" type="datetimeFigureOut">
               <a:rPr kumimoji="1" lang="ja-JP" altLang="en-US" smtClean="0"/>
-              <a:t>2024/11/6</a:t>
+              <a:t>2024/12/2</a:t>
             </a:fld>
             <a:endParaRPr kumimoji="1" lang="ja-JP" altLang="en-US"/>
           </a:p>
@@ -3005,8 +3018,8 @@
 <p:sldMaster xmlns:a="http://schemas.openxmlformats.org/drawingml/2006/main" xmlns:r="http://schemas.openxmlformats.org/officeDocument/2006/relationships" xmlns:p="http://schemas.openxmlformats.org/presentationml/2006/main">
   <p:cSld>
     <p:bg>
-      <p:bgRef idx="1001">
-        <a:schemeClr val="bg1"/>
+      <p:bgRef idx="1002">
+        <a:schemeClr val="bg2"/>
       </p:bgRef>
     </p:bg>
     <p:spTree>
@@ -3201,7 +3214,7 @@
           <a:p>
             <a:fld id="{7923FB9C-3109-46A3-A049-6A95D95C58D4}" type="datetimeFigureOut">
               <a:rPr kumimoji="1" lang="ja-JP" altLang="en-US" smtClean="0"/>
-              <a:t>2024/11/6</a:t>
+              <a:t>2024/12/2</a:t>
             </a:fld>
             <a:endParaRPr kumimoji="1" lang="ja-JP" altLang="en-US"/>
           </a:p>
@@ -3304,7 +3317,7 @@
       </p:ext>
     </p:extLst>
   </p:cSld>
-  <p:clrMap bg1="lt1" tx1="dk1" bg2="lt2" tx2="dk2" accent1="accent1" accent2="accent2" accent3="accent3" accent4="accent4" accent5="accent5" accent6="accent6" hlink="hlink" folHlink="folHlink"/>
+  <p:clrMap bg1="dk1" tx1="lt1" bg2="dk2" tx2="lt2" accent1="accent1" accent2="accent2" accent3="accent3" accent4="accent4" accent5="accent5" accent6="accent6" hlink="hlink" folHlink="folHlink"/>
   <p:sldLayoutIdLst>
     <p:sldLayoutId id="2147483649" r:id="rId1"/>
     <p:sldLayoutId id="2147483650" r:id="rId2"/>
@@ -3680,9 +3693,9 @@
         <p:spPr>
           <a:xfrm>
             <a:off x="1556193" y="503039"/>
-            <a:ext cx="9079605" cy="1200329"/>
+            <a:ext cx="9079605" cy="1328023"/>
           </a:xfrm>
-          <a:prstGeom prst="rect">
+          <a:prstGeom prst="roundRect">
             <a:avLst/>
           </a:prstGeom>
           <a:solidFill>
@@ -3787,10 +3800,10 @@
         </p:nvSpPr>
         <p:spPr>
           <a:xfrm>
-            <a:off x="2357296" y="2245307"/>
-            <a:ext cx="7477401" cy="523220"/>
+            <a:off x="2357294" y="2406174"/>
+            <a:ext cx="7477401" cy="578882"/>
           </a:xfrm>
-          <a:prstGeom prst="rect">
+          <a:prstGeom prst="roundRect">
             <a:avLst/>
           </a:prstGeom>
           <a:noFill/>
@@ -3808,7 +3821,7 @@
             </a:r>
             <a:r>
               <a:rPr lang="ja-JP" altLang="en-US" sz="2800" b="1" dirty="0"/>
-              <a:t>：スーパーマリオ</a:t>
+              <a:t>：スーパーマリオブラザーズ</a:t>
             </a:r>
             <a:endParaRPr lang="en-US" altLang="ja-JP" sz="2800" b="1" dirty="0"/>
           </a:p>
@@ -3949,10 +3962,10 @@
         </p:nvSpPr>
         <p:spPr>
           <a:xfrm>
-            <a:off x="1843583" y="1620330"/>
-            <a:ext cx="2923504" cy="400110"/>
+            <a:off x="1299043" y="1620330"/>
+            <a:ext cx="2070690" cy="442674"/>
           </a:xfrm>
-          <a:prstGeom prst="rect">
+          <a:prstGeom prst="roundRect">
             <a:avLst/>
           </a:prstGeom>
           <a:noFill/>
@@ -3993,16 +4006,15 @@
         </p:nvSpPr>
         <p:spPr>
           <a:xfrm>
-            <a:off x="1278388" y="2225203"/>
-            <a:ext cx="4370232" cy="923330"/>
+            <a:off x="944451" y="2208697"/>
+            <a:ext cx="4370232" cy="1021556"/>
           </a:xfrm>
-          <a:prstGeom prst="rect">
+          <a:prstGeom prst="roundRect">
             <a:avLst/>
           </a:prstGeom>
           <a:solidFill>
             <a:schemeClr val="accent1">
-              <a:lumMod val="40000"/>
-              <a:lumOff val="60000"/>
+              <a:lumMod val="75000"/>
             </a:schemeClr>
           </a:solidFill>
         </p:spPr>
@@ -4020,6 +4032,13 @@
                     <a:lumOff val="5000"/>
                   </a:schemeClr>
                 </a:solidFill>
+                <a:effectLst>
+                  <a:outerShdw blurRad="38100" dist="38100" dir="2700000" algn="tl">
+                    <a:srgbClr val="000000">
+                      <a:alpha val="43137"/>
+                    </a:srgbClr>
+                  </a:outerShdw>
+                </a:effectLst>
               </a:rPr>
               <a:t>プレイ人数は</a:t>
             </a:r>
@@ -4031,6 +4050,13 @@
                     <a:lumOff val="5000"/>
                   </a:schemeClr>
                 </a:solidFill>
+                <a:effectLst>
+                  <a:outerShdw blurRad="38100" dist="38100" dir="2700000" algn="tl">
+                    <a:srgbClr val="000000">
+                      <a:alpha val="43137"/>
+                    </a:srgbClr>
+                  </a:outerShdw>
+                </a:effectLst>
               </a:rPr>
               <a:t>1</a:t>
             </a:r>
@@ -4042,6 +4068,13 @@
                     <a:lumOff val="5000"/>
                   </a:schemeClr>
                 </a:solidFill>
+                <a:effectLst>
+                  <a:outerShdw blurRad="38100" dist="38100" dir="2700000" algn="tl">
+                    <a:srgbClr val="000000">
+                      <a:alpha val="43137"/>
+                    </a:srgbClr>
+                  </a:outerShdw>
+                </a:effectLst>
               </a:rPr>
               <a:t>人のみ実装、</a:t>
             </a:r>
@@ -4052,6 +4085,13 @@
                   <a:lumOff val="5000"/>
                 </a:schemeClr>
               </a:solidFill>
+              <a:effectLst>
+                <a:outerShdw blurRad="38100" dist="38100" dir="2700000" algn="tl">
+                  <a:srgbClr val="000000">
+                    <a:alpha val="43137"/>
+                  </a:srgbClr>
+                </a:outerShdw>
+              </a:effectLst>
             </a:endParaRPr>
           </a:p>
           <a:p>
@@ -4063,6 +4103,13 @@
                     <a:lumOff val="5000"/>
                   </a:schemeClr>
                 </a:solidFill>
+                <a:effectLst>
+                  <a:outerShdw blurRad="38100" dist="38100" dir="2700000" algn="tl">
+                    <a:srgbClr val="000000">
+                      <a:alpha val="43137"/>
+                    </a:srgbClr>
+                  </a:outerShdw>
+                </a:effectLst>
               </a:rPr>
               <a:t>二人プレイは今後の課題</a:t>
             </a:r>
@@ -4073,6 +4120,13 @@
                   <a:lumOff val="5000"/>
                 </a:schemeClr>
               </a:solidFill>
+              <a:effectLst>
+                <a:outerShdw blurRad="38100" dist="38100" dir="2700000" algn="tl">
+                  <a:srgbClr val="000000">
+                    <a:alpha val="43137"/>
+                  </a:srgbClr>
+                </a:outerShdw>
+              </a:effectLst>
             </a:endParaRPr>
           </a:p>
           <a:p>
@@ -4084,6 +4138,13 @@
                     <a:lumOff val="5000"/>
                   </a:schemeClr>
                 </a:solidFill>
+                <a:effectLst>
+                  <a:outerShdw blurRad="38100" dist="38100" dir="2700000" algn="tl">
+                    <a:srgbClr val="000000">
+                      <a:alpha val="43137"/>
+                    </a:srgbClr>
+                  </a:outerShdw>
+                </a:effectLst>
               </a:rPr>
               <a:t>ゲームを開始するボタンのみ実装。</a:t>
             </a:r>
@@ -4094,6 +4155,13 @@
                   <a:lumOff val="5000"/>
                 </a:schemeClr>
               </a:solidFill>
+              <a:effectLst>
+                <a:outerShdw blurRad="38100" dist="38100" dir="2700000" algn="tl">
+                  <a:srgbClr val="000000">
+                    <a:alpha val="43137"/>
+                  </a:srgbClr>
+                </a:outerShdw>
+              </a:effectLst>
             </a:endParaRPr>
           </a:p>
         </p:txBody>
@@ -4127,7 +4195,7 @@
         </p:blipFill>
         <p:spPr bwMode="auto">
           <a:xfrm>
-            <a:off x="6541478" y="3380704"/>
+            <a:off x="6472793" y="3369420"/>
             <a:ext cx="5134377" cy="2888087"/>
           </a:xfrm>
           <a:prstGeom prst="rect">
@@ -4159,8 +4227,8 @@
         </p:nvSpPr>
         <p:spPr>
           <a:xfrm>
-            <a:off x="7424915" y="1620330"/>
-            <a:ext cx="2923504" cy="400110"/>
+            <a:off x="7602715" y="1620330"/>
+            <a:ext cx="2507512" cy="400110"/>
           </a:xfrm>
           <a:prstGeom prst="rect">
             <a:avLst/>
@@ -4203,16 +4271,15 @@
         </p:nvSpPr>
         <p:spPr>
           <a:xfrm>
-            <a:off x="6543380" y="2225203"/>
-            <a:ext cx="4370232" cy="646331"/>
+            <a:off x="6877317" y="2208697"/>
+            <a:ext cx="4370232" cy="715089"/>
           </a:xfrm>
-          <a:prstGeom prst="rect">
+          <a:prstGeom prst="roundRect">
             <a:avLst/>
           </a:prstGeom>
           <a:solidFill>
             <a:schemeClr val="accent1">
-              <a:lumMod val="40000"/>
-              <a:lumOff val="60000"/>
+              <a:lumMod val="75000"/>
             </a:schemeClr>
           </a:solidFill>
         </p:spPr>
@@ -4230,11 +4297,119 @@
                     <a:lumOff val="5000"/>
                   </a:schemeClr>
                 </a:solidFill>
+                <a:effectLst>
+                  <a:outerShdw blurRad="38100" dist="38100" dir="2700000" algn="tl">
+                    <a:srgbClr val="000000">
+                      <a:alpha val="43137"/>
+                    </a:srgbClr>
+                  </a:outerShdw>
+                </a:effectLst>
               </a:rPr>
               <a:t>ステージは</a:t>
             </a:r>
             <a:r>
               <a:rPr kumimoji="1" lang="en-US" altLang="ja-JP" dirty="0">
+                <a:solidFill>
+                  <a:srgbClr val="FFC000"/>
+                </a:solidFill>
+                <a:effectLst>
+                  <a:outerShdw blurRad="38100" dist="38100" dir="2700000" algn="tl">
+                    <a:srgbClr val="000000">
+                      <a:alpha val="43137"/>
+                    </a:srgbClr>
+                  </a:outerShdw>
+                </a:effectLst>
+              </a:rPr>
+              <a:t>1-1</a:t>
+            </a:r>
+            <a:r>
+              <a:rPr kumimoji="1" lang="ja-JP" altLang="en-US" dirty="0">
+                <a:solidFill>
+                  <a:schemeClr val="tx1">
+                    <a:lumMod val="95000"/>
+                    <a:lumOff val="5000"/>
+                  </a:schemeClr>
+                </a:solidFill>
+                <a:effectLst>
+                  <a:outerShdw blurRad="38100" dist="38100" dir="2700000" algn="tl">
+                    <a:srgbClr val="000000">
+                      <a:alpha val="43137"/>
+                    </a:srgbClr>
+                  </a:outerShdw>
+                </a:effectLst>
+              </a:rPr>
+              <a:t>と</a:t>
+            </a:r>
+            <a:r>
+              <a:rPr kumimoji="1" lang="en-US" altLang="ja-JP" dirty="0">
+                <a:solidFill>
+                  <a:srgbClr val="FFC000"/>
+                </a:solidFill>
+                <a:effectLst>
+                  <a:outerShdw blurRad="38100" dist="38100" dir="2700000" algn="tl">
+                    <a:srgbClr val="000000">
+                      <a:alpha val="43137"/>
+                    </a:srgbClr>
+                  </a:outerShdw>
+                </a:effectLst>
+              </a:rPr>
+              <a:t>1-2</a:t>
+            </a:r>
+            <a:r>
+              <a:rPr kumimoji="1" lang="ja-JP" altLang="en-US" dirty="0">
+                <a:solidFill>
+                  <a:schemeClr val="tx1">
+                    <a:lumMod val="95000"/>
+                    <a:lumOff val="5000"/>
+                  </a:schemeClr>
+                </a:solidFill>
+                <a:effectLst>
+                  <a:outerShdw blurRad="38100" dist="38100" dir="2700000" algn="tl">
+                    <a:srgbClr val="000000">
+                      <a:alpha val="43137"/>
+                    </a:srgbClr>
+                  </a:outerShdw>
+                </a:effectLst>
+              </a:rPr>
+              <a:t>のみ実装。</a:t>
+            </a:r>
+            <a:endParaRPr kumimoji="1" lang="en-US" altLang="ja-JP" dirty="0">
+              <a:solidFill>
+                <a:schemeClr val="tx1">
+                  <a:lumMod val="95000"/>
+                  <a:lumOff val="5000"/>
+                </a:schemeClr>
+              </a:solidFill>
+              <a:effectLst>
+                <a:outerShdw blurRad="38100" dist="38100" dir="2700000" algn="tl">
+                  <a:srgbClr val="000000">
+                    <a:alpha val="43137"/>
+                  </a:srgbClr>
+                </a:outerShdw>
+              </a:effectLst>
+            </a:endParaRPr>
+          </a:p>
+          <a:p>
+            <a:r>
+              <a:rPr lang="ja-JP" altLang="en-US" dirty="0">
+                <a:solidFill>
+                  <a:schemeClr val="tx1">
+                    <a:lumMod val="95000"/>
+                    <a:lumOff val="5000"/>
+                  </a:schemeClr>
+                </a:solidFill>
+                <a:effectLst>
+                  <a:outerShdw blurRad="38100" dist="38100" dir="2700000" algn="tl">
+                    <a:srgbClr val="000000">
+                      <a:alpha val="43137"/>
+                    </a:srgbClr>
+                  </a:outerShdw>
+                </a:effectLst>
+              </a:rPr>
+              <a:t>決定ボタンと移動ボタンのみ実装</a:t>
+            </a:r>
+            <a:r>
+              <a:rPr lang="ja-JP" altLang="en-US" dirty="0">
                 <a:solidFill>
                   <a:schemeClr val="tx1">
                     <a:lumMod val="95000"/>
@@ -4242,40 +4417,7 @@
                   </a:schemeClr>
                 </a:solidFill>
               </a:rPr>
-              <a:t>1-1</a:t>
-            </a:r>
-            <a:r>
-              <a:rPr kumimoji="1" lang="ja-JP" altLang="en-US" dirty="0">
-                <a:solidFill>
-                  <a:schemeClr val="tx1">
-                    <a:lumMod val="95000"/>
-                    <a:lumOff val="5000"/>
-                  </a:schemeClr>
-                </a:solidFill>
-              </a:rPr>
-              <a:t>、</a:t>
-            </a:r>
-            <a:r>
-              <a:rPr kumimoji="1" lang="en-US" altLang="ja-JP" dirty="0">
-                <a:solidFill>
-                  <a:schemeClr val="tx1">
-                    <a:lumMod val="95000"/>
-                    <a:lumOff val="5000"/>
-                  </a:schemeClr>
-                </a:solidFill>
-              </a:rPr>
-              <a:t>1-2</a:t>
-            </a:r>
-            <a:r>
-              <a:rPr kumimoji="1" lang="ja-JP" altLang="en-US" dirty="0">
-                <a:solidFill>
-                  <a:schemeClr val="tx1">
-                    <a:lumMod val="95000"/>
-                    <a:lumOff val="5000"/>
-                  </a:schemeClr>
-                </a:solidFill>
-              </a:rPr>
-              <a:t>のみ実装。</a:t>
+              <a:t>。</a:t>
             </a:r>
             <a:endParaRPr kumimoji="1" lang="en-US" altLang="ja-JP" dirty="0">
               <a:solidFill>
@@ -4286,25 +4428,125 @@
               </a:solidFill>
             </a:endParaRPr>
           </a:p>
-          <a:p>
-            <a:r>
-              <a:rPr lang="ja-JP" altLang="en-US" dirty="0">
+        </p:txBody>
+      </p:sp>
+      <p:sp>
+        <p:nvSpPr>
+          <p:cNvPr id="3" name="テキスト ボックス 2">
+            <a:extLst>
+              <a:ext uri="{FF2B5EF4-FFF2-40B4-BE49-F238E27FC236}">
+                <a16:creationId xmlns:a16="http://schemas.microsoft.com/office/drawing/2014/main" id="{02E3755D-76B0-49BE-99AD-9686E5629BB7}"/>
+              </a:ext>
+            </a:extLst>
+          </p:cNvPr>
+          <p:cNvSpPr txBox="1"/>
+          <p:nvPr/>
+        </p:nvSpPr>
+        <p:spPr>
+          <a:xfrm>
+            <a:off x="3556173" y="1488865"/>
+            <a:ext cx="3202368" cy="646986"/>
+          </a:xfrm>
+          <a:prstGeom prst="wedgeRoundRectCallout">
+            <a:avLst>
+              <a:gd name="adj1" fmla="val -59659"/>
+              <a:gd name="adj2" fmla="val -1945"/>
+              <a:gd name="adj3" fmla="val 16667"/>
+            </a:avLst>
+          </a:prstGeom>
+          <a:solidFill>
+            <a:schemeClr val="bg2">
+              <a:lumMod val="40000"/>
+              <a:lumOff val="60000"/>
+            </a:schemeClr>
+          </a:solidFill>
+        </p:spPr>
+        <p:txBody>
+          <a:bodyPr wrap="square" rtlCol="0">
+            <a:spAutoFit/>
+          </a:bodyPr>
+          <a:lstStyle/>
+          <a:p>
+            <a:r>
+              <a:rPr lang="ja-JP" altLang="en-US" sz="3200" b="1" dirty="0">
+                <a:effectLst>
+                  <a:outerShdw blurRad="38100" dist="38100" dir="2700000" algn="tl">
+                    <a:srgbClr val="000000">
+                      <a:alpha val="43137"/>
+                    </a:srgbClr>
+                  </a:outerShdw>
+                </a:effectLst>
+              </a:rPr>
+              <a:t>参考元より実装</a:t>
+            </a:r>
+            <a:endParaRPr kumimoji="1" lang="ja-JP" altLang="en-US" sz="3200" b="1" dirty="0">
+              <a:effectLst>
+                <a:outerShdw blurRad="38100" dist="38100" dir="2700000" algn="tl">
+                  <a:srgbClr val="000000">
+                    <a:alpha val="43137"/>
+                  </a:srgbClr>
+                </a:outerShdw>
+              </a:effectLst>
+            </a:endParaRPr>
+          </a:p>
+        </p:txBody>
+      </p:sp>
+      <p:sp>
+        <p:nvSpPr>
+          <p:cNvPr id="10" name="テキスト ボックス 9">
+            <a:extLst>
+              <a:ext uri="{FF2B5EF4-FFF2-40B4-BE49-F238E27FC236}">
+                <a16:creationId xmlns:a16="http://schemas.microsoft.com/office/drawing/2014/main" id="{48FDBCD8-643C-4DB6-A281-02EA67F66B2B}"/>
+              </a:ext>
+            </a:extLst>
+          </p:cNvPr>
+          <p:cNvSpPr txBox="1"/>
+          <p:nvPr/>
+        </p:nvSpPr>
+        <p:spPr>
+          <a:xfrm rot="1269419">
+            <a:off x="10169106" y="1737368"/>
+            <a:ext cx="2265446" cy="1093768"/>
+          </a:xfrm>
+          <a:prstGeom prst="star12">
+            <a:avLst/>
+          </a:prstGeom>
+          <a:solidFill>
+            <a:srgbClr val="00B0F0"/>
+          </a:solidFill>
+        </p:spPr>
+        <p:txBody>
+          <a:bodyPr wrap="square" rtlCol="0">
+            <a:spAutoFit/>
+          </a:bodyPr>
+          <a:lstStyle/>
+          <a:p>
+            <a:r>
+              <a:rPr kumimoji="1" lang="en-US" altLang="ja-JP" sz="3200" b="1" dirty="0">
                 <a:solidFill>
-                  <a:schemeClr val="tx1">
-                    <a:lumMod val="95000"/>
-                    <a:lumOff val="5000"/>
-                  </a:schemeClr>
+                  <a:srgbClr val="FFFF00"/>
                 </a:solidFill>
+                <a:effectLst>
+                  <a:outerShdw blurRad="38100" dist="38100" dir="2700000" algn="tl">
+                    <a:srgbClr val="000000">
+                      <a:alpha val="43137"/>
+                    </a:srgbClr>
+                  </a:outerShdw>
+                </a:effectLst>
               </a:rPr>
-              <a:t>決定ボタンと移動ボタンのみ実装。</a:t>
-            </a:r>
-            <a:endParaRPr kumimoji="1" lang="en-US" altLang="ja-JP" dirty="0">
+              <a:t>NEW</a:t>
+            </a:r>
+            <a:endParaRPr kumimoji="1" lang="ja-JP" altLang="en-US" sz="3200" b="1" dirty="0">
               <a:solidFill>
-                <a:schemeClr val="tx1">
-                  <a:lumMod val="95000"/>
-                  <a:lumOff val="5000"/>
-                </a:schemeClr>
+                <a:srgbClr val="FFFF00"/>
               </a:solidFill>
+              <a:effectLst>
+                <a:outerShdw blurRad="38100" dist="38100" dir="2700000" algn="tl">
+                  <a:srgbClr val="000000">
+                    <a:alpha val="43137"/>
+                  </a:srgbClr>
+                </a:outerShdw>
+              </a:effectLst>
             </a:endParaRPr>
           </a:p>
         </p:txBody>
@@ -4444,16 +4686,15 @@
         </p:nvSpPr>
         <p:spPr>
           <a:xfrm>
-            <a:off x="981059" y="2110044"/>
-            <a:ext cx="5394341" cy="2031325"/>
+            <a:off x="837126" y="1902403"/>
+            <a:ext cx="5394341" cy="2247424"/>
           </a:xfrm>
-          <a:prstGeom prst="rect">
+          <a:prstGeom prst="roundRect">
             <a:avLst/>
           </a:prstGeom>
           <a:solidFill>
             <a:schemeClr val="accent1">
-              <a:lumMod val="40000"/>
-              <a:lumOff val="60000"/>
+              <a:lumMod val="75000"/>
             </a:schemeClr>
           </a:solidFill>
         </p:spPr>
@@ -4471,6 +4712,13 @@
                     <a:lumOff val="5000"/>
                   </a:schemeClr>
                 </a:solidFill>
+                <a:effectLst>
+                  <a:outerShdw blurRad="38100" dist="38100" dir="2700000" algn="tl">
+                    <a:srgbClr val="000000">
+                      <a:alpha val="43137"/>
+                    </a:srgbClr>
+                  </a:outerShdw>
+                </a:effectLst>
               </a:rPr>
               <a:t>・</a:t>
             </a:r>
@@ -4482,6 +4730,13 @@
                     <a:lumOff val="5000"/>
                   </a:schemeClr>
                 </a:solidFill>
+                <a:effectLst>
+                  <a:outerShdw blurRad="38100" dist="38100" dir="2700000" algn="tl">
+                    <a:srgbClr val="000000">
+                      <a:alpha val="43137"/>
+                    </a:srgbClr>
+                  </a:outerShdw>
+                </a:effectLst>
               </a:rPr>
               <a:t>アイテムの実装</a:t>
             </a:r>
@@ -4492,6 +4747,13 @@
                   <a:lumOff val="5000"/>
                 </a:schemeClr>
               </a:solidFill>
+              <a:effectLst>
+                <a:outerShdw blurRad="38100" dist="38100" dir="2700000" algn="tl">
+                  <a:srgbClr val="000000">
+                    <a:alpha val="43137"/>
+                  </a:srgbClr>
+                </a:outerShdw>
+              </a:effectLst>
             </a:endParaRPr>
           </a:p>
           <a:p>
@@ -4503,6 +4765,13 @@
                     <a:lumOff val="5000"/>
                   </a:schemeClr>
                 </a:solidFill>
+                <a:effectLst>
+                  <a:outerShdw blurRad="38100" dist="38100" dir="2700000" algn="tl">
+                    <a:srgbClr val="000000">
+                      <a:alpha val="43137"/>
+                    </a:srgbClr>
+                  </a:outerShdw>
+                </a:effectLst>
               </a:rPr>
               <a:t>・アイテム取得での進化とダメージでの弱体化</a:t>
             </a:r>
@@ -4513,6 +4782,13 @@
                   <a:lumOff val="5000"/>
                 </a:schemeClr>
               </a:solidFill>
+              <a:effectLst>
+                <a:outerShdw blurRad="38100" dist="38100" dir="2700000" algn="tl">
+                  <a:srgbClr val="000000">
+                    <a:alpha val="43137"/>
+                  </a:srgbClr>
+                </a:outerShdw>
+              </a:effectLst>
             </a:endParaRPr>
           </a:p>
           <a:p>
@@ -4524,6 +4800,13 @@
                     <a:lumOff val="5000"/>
                   </a:schemeClr>
                 </a:solidFill>
+                <a:effectLst>
+                  <a:outerShdw blurRad="38100" dist="38100" dir="2700000" algn="tl">
+                    <a:srgbClr val="000000">
+                      <a:alpha val="43137"/>
+                    </a:srgbClr>
+                  </a:outerShdw>
+                </a:effectLst>
               </a:rPr>
               <a:t>・</a:t>
             </a:r>
@@ -4535,6 +4818,13 @@
                     <a:lumOff val="5000"/>
                   </a:schemeClr>
                 </a:solidFill>
+                <a:effectLst>
+                  <a:outerShdw blurRad="38100" dist="38100" dir="2700000" algn="tl">
+                    <a:srgbClr val="000000">
+                      <a:alpha val="43137"/>
+                    </a:srgbClr>
+                  </a:outerShdw>
+                </a:effectLst>
               </a:rPr>
               <a:t>アイテムの出現条件</a:t>
             </a:r>
@@ -4545,6 +4835,13 @@
                   <a:lumOff val="5000"/>
                 </a:schemeClr>
               </a:solidFill>
+              <a:effectLst>
+                <a:outerShdw blurRad="38100" dist="38100" dir="2700000" algn="tl">
+                  <a:srgbClr val="000000">
+                    <a:alpha val="43137"/>
+                  </a:srgbClr>
+                </a:outerShdw>
+              </a:effectLst>
             </a:endParaRPr>
           </a:p>
           <a:p>
@@ -4556,6 +4853,13 @@
                     <a:lumOff val="5000"/>
                   </a:schemeClr>
                 </a:solidFill>
+                <a:effectLst>
+                  <a:outerShdw blurRad="38100" dist="38100" dir="2700000" algn="tl">
+                    <a:srgbClr val="000000">
+                      <a:alpha val="43137"/>
+                    </a:srgbClr>
+                  </a:outerShdw>
+                </a:effectLst>
               </a:rPr>
               <a:t>・スコアによるストックの追加</a:t>
             </a:r>
@@ -4566,6 +4870,13 @@
                   <a:lumOff val="5000"/>
                 </a:schemeClr>
               </a:solidFill>
+              <a:effectLst>
+                <a:outerShdw blurRad="38100" dist="38100" dir="2700000" algn="tl">
+                  <a:srgbClr val="000000">
+                    <a:alpha val="43137"/>
+                  </a:srgbClr>
+                </a:outerShdw>
+              </a:effectLst>
             </a:endParaRPr>
           </a:p>
           <a:p>
@@ -4577,6 +4888,13 @@
                     <a:lumOff val="5000"/>
                   </a:schemeClr>
                 </a:solidFill>
+                <a:effectLst>
+                  <a:outerShdw blurRad="38100" dist="38100" dir="2700000" algn="tl">
+                    <a:srgbClr val="000000">
+                      <a:alpha val="43137"/>
+                    </a:srgbClr>
+                  </a:outerShdw>
+                </a:effectLst>
               </a:rPr>
               <a:t>・残りストック数の保存</a:t>
             </a:r>
@@ -4587,6 +4905,13 @@
                   <a:lumOff val="5000"/>
                 </a:schemeClr>
               </a:solidFill>
+              <a:effectLst>
+                <a:outerShdw blurRad="38100" dist="38100" dir="2700000" algn="tl">
+                  <a:srgbClr val="000000">
+                    <a:alpha val="43137"/>
+                  </a:srgbClr>
+                </a:outerShdw>
+              </a:effectLst>
             </a:endParaRPr>
           </a:p>
           <a:p>
@@ -4598,6 +4923,13 @@
                     <a:lumOff val="5000"/>
                   </a:schemeClr>
                 </a:solidFill>
+                <a:effectLst>
+                  <a:outerShdw blurRad="38100" dist="38100" dir="2700000" algn="tl">
+                    <a:srgbClr val="000000">
+                      <a:alpha val="43137"/>
+                    </a:srgbClr>
+                  </a:outerShdw>
+                </a:effectLst>
               </a:rPr>
               <a:t>・ゲームオーバーの条件</a:t>
             </a:r>
@@ -4608,6 +4940,13 @@
                   <a:lumOff val="5000"/>
                 </a:schemeClr>
               </a:solidFill>
+              <a:effectLst>
+                <a:outerShdw blurRad="38100" dist="38100" dir="2700000" algn="tl">
+                  <a:srgbClr val="000000">
+                    <a:alpha val="43137"/>
+                  </a:srgbClr>
+                </a:outerShdw>
+              </a:effectLst>
             </a:endParaRPr>
           </a:p>
           <a:p>
@@ -4619,6 +4958,13 @@
                     <a:lumOff val="5000"/>
                   </a:schemeClr>
                 </a:solidFill>
+                <a:effectLst>
+                  <a:outerShdw blurRad="38100" dist="38100" dir="2700000" algn="tl">
+                    <a:srgbClr val="000000">
+                      <a:alpha val="43137"/>
+                    </a:srgbClr>
+                  </a:outerShdw>
+                </a:effectLst>
               </a:rPr>
               <a:t>　画面外または敵の攻撃によるダメージ</a:t>
             </a:r>
@@ -4629,6 +4975,13 @@
                   <a:lumOff val="5000"/>
                 </a:schemeClr>
               </a:solidFill>
+              <a:effectLst>
+                <a:outerShdw blurRad="38100" dist="38100" dir="2700000" algn="tl">
+                  <a:srgbClr val="000000">
+                    <a:alpha val="43137"/>
+                  </a:srgbClr>
+                </a:outerShdw>
+              </a:effectLst>
             </a:endParaRPr>
           </a:p>
         </p:txBody>
@@ -4674,6 +5027,67 @@
               </a:rPr>
               <a:t>ゲームの流れ</a:t>
             </a:r>
+          </a:p>
+        </p:txBody>
+      </p:sp>
+      <p:sp>
+        <p:nvSpPr>
+          <p:cNvPr id="6" name="テキスト ボックス 5">
+            <a:extLst>
+              <a:ext uri="{FF2B5EF4-FFF2-40B4-BE49-F238E27FC236}">
+                <a16:creationId xmlns:a16="http://schemas.microsoft.com/office/drawing/2014/main" id="{BC70AB6C-0534-4722-B0B8-F3F5D2345BD4}"/>
+              </a:ext>
+            </a:extLst>
+          </p:cNvPr>
+          <p:cNvSpPr txBox="1"/>
+          <p:nvPr/>
+        </p:nvSpPr>
+        <p:spPr>
+          <a:xfrm>
+            <a:off x="4866491" y="1220220"/>
+            <a:ext cx="3202368" cy="646986"/>
+          </a:xfrm>
+          <a:prstGeom prst="wedgeRoundRectCallout">
+            <a:avLst>
+              <a:gd name="adj1" fmla="val -71779"/>
+              <a:gd name="adj2" fmla="val -23050"/>
+              <a:gd name="adj3" fmla="val 16667"/>
+            </a:avLst>
+          </a:prstGeom>
+          <a:solidFill>
+            <a:schemeClr val="bg2">
+              <a:lumMod val="40000"/>
+              <a:lumOff val="60000"/>
+            </a:schemeClr>
+          </a:solidFill>
+        </p:spPr>
+        <p:txBody>
+          <a:bodyPr wrap="square" rtlCol="0">
+            <a:spAutoFit/>
+          </a:bodyPr>
+          <a:lstStyle/>
+          <a:p>
+            <a:r>
+              <a:rPr lang="ja-JP" altLang="en-US" sz="3200" b="1" dirty="0">
+                <a:effectLst>
+                  <a:outerShdw blurRad="38100" dist="38100" dir="2700000" algn="tl">
+                    <a:srgbClr val="000000">
+                      <a:alpha val="43137"/>
+                    </a:srgbClr>
+                  </a:outerShdw>
+                </a:effectLst>
+              </a:rPr>
+              <a:t>参考元より実装</a:t>
+            </a:r>
+            <a:endParaRPr kumimoji="1" lang="ja-JP" altLang="en-US" sz="3200" b="1" dirty="0">
+              <a:effectLst>
+                <a:outerShdw blurRad="38100" dist="38100" dir="2700000" algn="tl">
+                  <a:srgbClr val="000000">
+                    <a:alpha val="43137"/>
+                  </a:srgbClr>
+                </a:outerShdw>
+              </a:effectLst>
+            </a:endParaRPr>
           </a:p>
         </p:txBody>
       </p:sp>
@@ -4736,7 +5150,7 @@
         </p:blipFill>
         <p:spPr bwMode="auto">
           <a:xfrm>
-            <a:off x="6374326" y="2997200"/>
+            <a:off x="6513636" y="1778002"/>
             <a:ext cx="5134377" cy="2888087"/>
           </a:xfrm>
           <a:prstGeom prst="rect">
@@ -4769,9 +5183,9 @@
         <p:spPr>
           <a:xfrm>
             <a:off x="1069303" y="1591468"/>
-            <a:ext cx="2923504" cy="400110"/>
+            <a:ext cx="2923504" cy="442674"/>
           </a:xfrm>
-          <a:prstGeom prst="rect">
+          <a:prstGeom prst="roundRect">
             <a:avLst/>
           </a:prstGeom>
           <a:noFill/>
@@ -4812,7 +5226,7 @@
         </p:nvSpPr>
         <p:spPr>
           <a:xfrm>
-            <a:off x="837126" y="2873182"/>
+            <a:off x="837126" y="2258536"/>
             <a:ext cx="4827074" cy="1477328"/>
           </a:xfrm>
           <a:prstGeom prst="rect">
@@ -4820,8 +5234,7 @@
           </a:prstGeom>
           <a:solidFill>
             <a:schemeClr val="accent1">
-              <a:lumMod val="40000"/>
-              <a:lumOff val="60000"/>
+              <a:lumMod val="75000"/>
             </a:schemeClr>
           </a:solidFill>
         </p:spPr>
@@ -4840,6 +5253,13 @@
                     <a:lumOff val="5000"/>
                   </a:schemeClr>
                 </a:solidFill>
+                <a:effectLst>
+                  <a:outerShdw blurRad="38100" dist="38100" dir="2700000" algn="tl">
+                    <a:srgbClr val="000000">
+                      <a:alpha val="43137"/>
+                    </a:srgbClr>
+                  </a:outerShdw>
+                </a:effectLst>
               </a:rPr>
               <a:t>ゲームクリアーすると次のステージ開放</a:t>
             </a:r>
@@ -4850,6 +5270,13 @@
                   <a:lumOff val="5000"/>
                 </a:schemeClr>
               </a:solidFill>
+              <a:effectLst>
+                <a:outerShdw blurRad="38100" dist="38100" dir="2700000" algn="tl">
+                  <a:srgbClr val="000000">
+                    <a:alpha val="43137"/>
+                  </a:srgbClr>
+                </a:outerShdw>
+              </a:effectLst>
             </a:endParaRPr>
           </a:p>
           <a:p>
@@ -4862,6 +5289,13 @@
                     <a:lumOff val="5000"/>
                   </a:schemeClr>
                 </a:solidFill>
+                <a:effectLst>
+                  <a:outerShdw blurRad="38100" dist="38100" dir="2700000" algn="tl">
+                    <a:srgbClr val="000000">
+                      <a:alpha val="43137"/>
+                    </a:srgbClr>
+                  </a:outerShdw>
+                </a:effectLst>
               </a:rPr>
               <a:t>ゲーム未クリアの場合は、</a:t>
             </a:r>
@@ -4872,6 +5306,13 @@
                   <a:lumOff val="5000"/>
                 </a:schemeClr>
               </a:solidFill>
+              <a:effectLst>
+                <a:outerShdw blurRad="38100" dist="38100" dir="2700000" algn="tl">
+                  <a:srgbClr val="000000">
+                    <a:alpha val="43137"/>
+                  </a:srgbClr>
+                </a:outerShdw>
+              </a:effectLst>
             </a:endParaRPr>
           </a:p>
           <a:p>
@@ -4884,6 +5325,13 @@
                     <a:lumOff val="5000"/>
                   </a:schemeClr>
                 </a:solidFill>
+                <a:effectLst>
+                  <a:outerShdw blurRad="38100" dist="38100" dir="2700000" algn="tl">
+                    <a:srgbClr val="000000">
+                      <a:alpha val="43137"/>
+                    </a:srgbClr>
+                  </a:outerShdw>
+                </a:effectLst>
               </a:rPr>
               <a:t>ステージ選択画面に移動後</a:t>
             </a:r>
@@ -4894,6 +5342,13 @@
                   <a:lumOff val="5000"/>
                 </a:schemeClr>
               </a:solidFill>
+              <a:effectLst>
+                <a:outerShdw blurRad="38100" dist="38100" dir="2700000" algn="tl">
+                  <a:srgbClr val="000000">
+                    <a:alpha val="43137"/>
+                  </a:srgbClr>
+                </a:outerShdw>
+              </a:effectLst>
             </a:endParaRPr>
           </a:p>
           <a:p>
@@ -4906,6 +5361,13 @@
                     <a:lumOff val="5000"/>
                   </a:schemeClr>
                 </a:solidFill>
+                <a:effectLst>
+                  <a:outerShdw blurRad="38100" dist="38100" dir="2700000" algn="tl">
+                    <a:srgbClr val="000000">
+                      <a:alpha val="43137"/>
+                    </a:srgbClr>
+                  </a:outerShdw>
+                </a:effectLst>
               </a:rPr>
               <a:t>次のステージの開放なし</a:t>
             </a:r>
@@ -4916,6 +5378,13 @@
                   <a:lumOff val="5000"/>
                 </a:schemeClr>
               </a:solidFill>
+              <a:effectLst>
+                <a:outerShdw blurRad="38100" dist="38100" dir="2700000" algn="tl">
+                  <a:srgbClr val="000000">
+                    <a:alpha val="43137"/>
+                  </a:srgbClr>
+                </a:outerShdw>
+              </a:effectLst>
             </a:endParaRPr>
           </a:p>
           <a:p>
@@ -4972,6 +5441,515 @@
               </a:rPr>
               <a:t>ゲームの流れ</a:t>
             </a:r>
+          </a:p>
+        </p:txBody>
+      </p:sp>
+      <p:sp>
+        <p:nvSpPr>
+          <p:cNvPr id="7" name="テキスト ボックス 6">
+            <a:extLst>
+              <a:ext uri="{FF2B5EF4-FFF2-40B4-BE49-F238E27FC236}">
+                <a16:creationId xmlns:a16="http://schemas.microsoft.com/office/drawing/2014/main" id="{FF04359A-36BB-450A-BBEF-9B626E66CC8E}"/>
+              </a:ext>
+            </a:extLst>
+          </p:cNvPr>
+          <p:cNvSpPr txBox="1"/>
+          <p:nvPr/>
+        </p:nvSpPr>
+        <p:spPr>
+          <a:xfrm rot="1269419">
+            <a:off x="4963276" y="1531468"/>
+            <a:ext cx="2265446" cy="1093768"/>
+          </a:xfrm>
+          <a:prstGeom prst="star12">
+            <a:avLst/>
+          </a:prstGeom>
+          <a:solidFill>
+            <a:srgbClr val="00B0F0"/>
+          </a:solidFill>
+        </p:spPr>
+        <p:txBody>
+          <a:bodyPr wrap="square" rtlCol="0">
+            <a:spAutoFit/>
+          </a:bodyPr>
+          <a:lstStyle/>
+          <a:p>
+            <a:r>
+              <a:rPr kumimoji="1" lang="en-US" altLang="ja-JP" sz="3200" b="1" dirty="0">
+                <a:solidFill>
+                  <a:srgbClr val="FFFF00"/>
+                </a:solidFill>
+                <a:effectLst>
+                  <a:outerShdw blurRad="38100" dist="38100" dir="2700000" algn="tl">
+                    <a:srgbClr val="000000">
+                      <a:alpha val="43137"/>
+                    </a:srgbClr>
+                  </a:outerShdw>
+                </a:effectLst>
+              </a:rPr>
+              <a:t>NEW</a:t>
+            </a:r>
+            <a:endParaRPr kumimoji="1" lang="ja-JP" altLang="en-US" sz="3200" b="1" dirty="0">
+              <a:solidFill>
+                <a:srgbClr val="FFFF00"/>
+              </a:solidFill>
+              <a:effectLst>
+                <a:outerShdw blurRad="38100" dist="38100" dir="2700000" algn="tl">
+                  <a:srgbClr val="000000">
+                    <a:alpha val="43137"/>
+                  </a:srgbClr>
+                </a:outerShdw>
+              </a:effectLst>
+            </a:endParaRPr>
+          </a:p>
+        </p:txBody>
+      </p:sp>
+      <p:sp>
+        <p:nvSpPr>
+          <p:cNvPr id="5" name="楕円 4">
+            <a:extLst>
+              <a:ext uri="{FF2B5EF4-FFF2-40B4-BE49-F238E27FC236}">
+                <a16:creationId xmlns:a16="http://schemas.microsoft.com/office/drawing/2014/main" id="{586E2A37-F99A-4A85-8F6C-D6D49D8BCBD2}"/>
+              </a:ext>
+            </a:extLst>
+          </p:cNvPr>
+          <p:cNvSpPr/>
+          <p:nvPr/>
+        </p:nvSpPr>
+        <p:spPr>
+          <a:xfrm>
+            <a:off x="9994509" y="3357033"/>
+            <a:ext cx="296333" cy="245534"/>
+          </a:xfrm>
+          <a:prstGeom prst="ellipse">
+            <a:avLst/>
+          </a:prstGeom>
+          <a:noFill/>
+          <a:ln w="57150">
+            <a:solidFill>
+              <a:srgbClr val="FF0000"/>
+            </a:solidFill>
+          </a:ln>
+        </p:spPr>
+        <p:style>
+          <a:lnRef idx="2">
+            <a:schemeClr val="accent1">
+              <a:shade val="50000"/>
+            </a:schemeClr>
+          </a:lnRef>
+          <a:fillRef idx="1">
+            <a:schemeClr val="accent1"/>
+          </a:fillRef>
+          <a:effectRef idx="0">
+            <a:schemeClr val="accent1"/>
+          </a:effectRef>
+          <a:fontRef idx="minor">
+            <a:schemeClr val="lt1"/>
+          </a:fontRef>
+        </p:style>
+        <p:txBody>
+          <a:bodyPr rtlCol="0" anchor="ctr"/>
+          <a:lstStyle/>
+          <a:p>
+            <a:pPr algn="ctr"/>
+            <a:endParaRPr kumimoji="1" lang="ja-JP" altLang="en-US"/>
+          </a:p>
+        </p:txBody>
+      </p:sp>
+      <p:sp>
+        <p:nvSpPr>
+          <p:cNvPr id="9" name="楕円 8">
+            <a:extLst>
+              <a:ext uri="{FF2B5EF4-FFF2-40B4-BE49-F238E27FC236}">
+                <a16:creationId xmlns:a16="http://schemas.microsoft.com/office/drawing/2014/main" id="{03DDE6B8-2E90-4F3A-94AD-E6D6F39D8C3B}"/>
+              </a:ext>
+            </a:extLst>
+          </p:cNvPr>
+          <p:cNvSpPr/>
+          <p:nvPr/>
+        </p:nvSpPr>
+        <p:spPr>
+          <a:xfrm>
+            <a:off x="8932657" y="3888900"/>
+            <a:ext cx="296333" cy="245534"/>
+          </a:xfrm>
+          <a:prstGeom prst="ellipse">
+            <a:avLst/>
+          </a:prstGeom>
+          <a:noFill/>
+          <a:ln w="57150">
+            <a:solidFill>
+              <a:srgbClr val="FF0000"/>
+            </a:solidFill>
+          </a:ln>
+        </p:spPr>
+        <p:style>
+          <a:lnRef idx="2">
+            <a:schemeClr val="accent1">
+              <a:shade val="50000"/>
+            </a:schemeClr>
+          </a:lnRef>
+          <a:fillRef idx="1">
+            <a:schemeClr val="accent1"/>
+          </a:fillRef>
+          <a:effectRef idx="0">
+            <a:schemeClr val="accent1"/>
+          </a:effectRef>
+          <a:fontRef idx="minor">
+            <a:schemeClr val="lt1"/>
+          </a:fontRef>
+        </p:style>
+        <p:txBody>
+          <a:bodyPr rtlCol="0" anchor="ctr"/>
+          <a:lstStyle/>
+          <a:p>
+            <a:pPr algn="ctr"/>
+            <a:endParaRPr kumimoji="1" lang="ja-JP" altLang="en-US"/>
+          </a:p>
+        </p:txBody>
+      </p:sp>
+      <p:sp>
+        <p:nvSpPr>
+          <p:cNvPr id="13" name="テキスト ボックス 12">
+            <a:extLst>
+              <a:ext uri="{FF2B5EF4-FFF2-40B4-BE49-F238E27FC236}">
+                <a16:creationId xmlns:a16="http://schemas.microsoft.com/office/drawing/2014/main" id="{D1ABA114-8E27-4991-94D1-61EE7DBD384E}"/>
+              </a:ext>
+            </a:extLst>
+          </p:cNvPr>
+          <p:cNvSpPr txBox="1"/>
+          <p:nvPr/>
+        </p:nvSpPr>
+        <p:spPr>
+          <a:xfrm>
+            <a:off x="9159768" y="789279"/>
+            <a:ext cx="2638142" cy="715089"/>
+          </a:xfrm>
+          <a:prstGeom prst="roundRect">
+            <a:avLst/>
+          </a:prstGeom>
+          <a:solidFill>
+            <a:schemeClr val="accent1">
+              <a:lumMod val="75000"/>
+            </a:schemeClr>
+          </a:solidFill>
+        </p:spPr>
+        <p:txBody>
+          <a:bodyPr wrap="square">
+            <a:spAutoFit/>
+          </a:bodyPr>
+          <a:lstStyle/>
+          <a:p>
+            <a:pPr algn="ctr"/>
+            <a:r>
+              <a:rPr kumimoji="1" lang="ja-JP" altLang="en-US" dirty="0">
+                <a:solidFill>
+                  <a:schemeClr val="tx1">
+                    <a:lumMod val="95000"/>
+                    <a:lumOff val="5000"/>
+                  </a:schemeClr>
+                </a:solidFill>
+                <a:effectLst>
+                  <a:outerShdw blurRad="38100" dist="38100" dir="2700000" algn="tl">
+                    <a:srgbClr val="000000">
+                      <a:alpha val="43137"/>
+                    </a:srgbClr>
+                  </a:outerShdw>
+                </a:effectLst>
+              </a:rPr>
+              <a:t>ゲームクリアーすると次のステージ開放</a:t>
+            </a:r>
+            <a:endParaRPr kumimoji="1" lang="en-US" altLang="ja-JP" dirty="0">
+              <a:solidFill>
+                <a:schemeClr val="tx1">
+                  <a:lumMod val="95000"/>
+                  <a:lumOff val="5000"/>
+                </a:schemeClr>
+              </a:solidFill>
+              <a:effectLst>
+                <a:outerShdw blurRad="38100" dist="38100" dir="2700000" algn="tl">
+                  <a:srgbClr val="000000">
+                    <a:alpha val="43137"/>
+                  </a:srgbClr>
+                </a:outerShdw>
+              </a:effectLst>
+            </a:endParaRPr>
+          </a:p>
+        </p:txBody>
+      </p:sp>
+      <p:cxnSp>
+        <p:nvCxnSpPr>
+          <p:cNvPr id="14" name="直線矢印コネクタ 13">
+            <a:extLst>
+              <a:ext uri="{FF2B5EF4-FFF2-40B4-BE49-F238E27FC236}">
+                <a16:creationId xmlns:a16="http://schemas.microsoft.com/office/drawing/2014/main" id="{973ED968-E741-44C6-B150-7F4E34737AF2}"/>
+              </a:ext>
+            </a:extLst>
+          </p:cNvPr>
+          <p:cNvCxnSpPr>
+            <a:stCxn id="13" idx="2"/>
+          </p:cNvCxnSpPr>
+          <p:nvPr/>
+        </p:nvCxnSpPr>
+        <p:spPr>
+          <a:xfrm flipH="1">
+            <a:off x="9080824" y="1504368"/>
+            <a:ext cx="1398015" cy="2356432"/>
+          </a:xfrm>
+          <a:prstGeom prst="straightConnector1">
+            <a:avLst/>
+          </a:prstGeom>
+          <a:ln w="57150">
+            <a:solidFill>
+              <a:srgbClr val="FFC000"/>
+            </a:solidFill>
+            <a:tailEnd type="triangle"/>
+          </a:ln>
+        </p:spPr>
+        <p:style>
+          <a:lnRef idx="3">
+            <a:schemeClr val="accent1"/>
+          </a:lnRef>
+          <a:fillRef idx="0">
+            <a:schemeClr val="accent1"/>
+          </a:fillRef>
+          <a:effectRef idx="2">
+            <a:schemeClr val="accent1"/>
+          </a:effectRef>
+          <a:fontRef idx="minor">
+            <a:schemeClr val="tx1"/>
+          </a:fontRef>
+        </p:style>
+      </p:cxnSp>
+      <p:cxnSp>
+        <p:nvCxnSpPr>
+          <p:cNvPr id="16" name="直線矢印コネクタ 15">
+            <a:extLst>
+              <a:ext uri="{FF2B5EF4-FFF2-40B4-BE49-F238E27FC236}">
+                <a16:creationId xmlns:a16="http://schemas.microsoft.com/office/drawing/2014/main" id="{7D094739-14F1-4314-A1C7-538607497F9A}"/>
+              </a:ext>
+            </a:extLst>
+          </p:cNvPr>
+          <p:cNvCxnSpPr>
+            <a:stCxn id="13" idx="2"/>
+          </p:cNvCxnSpPr>
+          <p:nvPr/>
+        </p:nvCxnSpPr>
+        <p:spPr>
+          <a:xfrm flipH="1">
+            <a:off x="10142676" y="1504368"/>
+            <a:ext cx="336163" cy="1839966"/>
+          </a:xfrm>
+          <a:prstGeom prst="straightConnector1">
+            <a:avLst/>
+          </a:prstGeom>
+          <a:ln w="57150">
+            <a:solidFill>
+              <a:srgbClr val="FFC000"/>
+            </a:solidFill>
+            <a:tailEnd type="triangle"/>
+          </a:ln>
+        </p:spPr>
+        <p:style>
+          <a:lnRef idx="3">
+            <a:schemeClr val="accent1"/>
+          </a:lnRef>
+          <a:fillRef idx="0">
+            <a:schemeClr val="accent1"/>
+          </a:fillRef>
+          <a:effectRef idx="2">
+            <a:schemeClr val="accent1"/>
+          </a:effectRef>
+          <a:fontRef idx="minor">
+            <a:schemeClr val="tx1"/>
+          </a:fontRef>
+        </p:style>
+      </p:cxnSp>
+      <p:sp>
+        <p:nvSpPr>
+          <p:cNvPr id="17" name="テキスト ボックス 16">
+            <a:extLst>
+              <a:ext uri="{FF2B5EF4-FFF2-40B4-BE49-F238E27FC236}">
+                <a16:creationId xmlns:a16="http://schemas.microsoft.com/office/drawing/2014/main" id="{BC8A68CF-1291-498B-835A-352F4F6C74EB}"/>
+              </a:ext>
+            </a:extLst>
+          </p:cNvPr>
+          <p:cNvSpPr txBox="1"/>
+          <p:nvPr/>
+        </p:nvSpPr>
+        <p:spPr>
+          <a:xfrm>
+            <a:off x="837126" y="5101110"/>
+            <a:ext cx="6608564" cy="1328023"/>
+          </a:xfrm>
+          <a:prstGeom prst="roundRect">
+            <a:avLst/>
+          </a:prstGeom>
+          <a:solidFill>
+            <a:schemeClr val="accent1">
+              <a:lumMod val="75000"/>
+            </a:schemeClr>
+          </a:solidFill>
+        </p:spPr>
+        <p:txBody>
+          <a:bodyPr wrap="square" rtlCol="0">
+            <a:spAutoFit/>
+          </a:bodyPr>
+          <a:lstStyle/>
+          <a:p>
+            <a:r>
+              <a:rPr kumimoji="1" lang="ja-JP" altLang="en-US" dirty="0">
+                <a:effectLst>
+                  <a:outerShdw blurRad="38100" dist="38100" dir="2700000" algn="tl">
+                    <a:srgbClr val="000000">
+                      <a:alpha val="43137"/>
+                    </a:srgbClr>
+                  </a:outerShdw>
+                </a:effectLst>
+              </a:rPr>
+              <a:t>追記</a:t>
+            </a:r>
+          </a:p>
+          <a:p>
+            <a:r>
+              <a:rPr kumimoji="1" lang="ja-JP" altLang="en-US" dirty="0">
+                <a:effectLst>
+                  <a:outerShdw blurRad="38100" dist="38100" dir="2700000" algn="tl">
+                    <a:srgbClr val="000000">
+                      <a:alpha val="43137"/>
+                    </a:srgbClr>
+                  </a:outerShdw>
+                </a:effectLst>
+              </a:rPr>
+              <a:t>・</a:t>
+            </a:r>
+            <a:r>
+              <a:rPr kumimoji="1" lang="en-US" altLang="ja-JP" dirty="0">
+                <a:effectLst>
+                  <a:outerShdw blurRad="38100" dist="38100" dir="2700000" algn="tl">
+                    <a:srgbClr val="000000">
+                      <a:alpha val="43137"/>
+                    </a:srgbClr>
+                  </a:outerShdw>
+                </a:effectLst>
+              </a:rPr>
+              <a:t>1-1</a:t>
+            </a:r>
+            <a:r>
+              <a:rPr kumimoji="1" lang="ja-JP" altLang="en-US" dirty="0">
+                <a:effectLst>
+                  <a:outerShdw blurRad="38100" dist="38100" dir="2700000" algn="tl">
+                    <a:srgbClr val="000000">
+                      <a:alpha val="43137"/>
+                    </a:srgbClr>
+                  </a:outerShdw>
+                </a:effectLst>
+              </a:rPr>
+              <a:t>は参考元の作品を元にするが、</a:t>
+            </a:r>
+            <a:endParaRPr kumimoji="1" lang="en-US" altLang="ja-JP" dirty="0">
+              <a:effectLst>
+                <a:outerShdw blurRad="38100" dist="38100" dir="2700000" algn="tl">
+                  <a:srgbClr val="000000">
+                    <a:alpha val="43137"/>
+                  </a:srgbClr>
+                </a:outerShdw>
+              </a:effectLst>
+            </a:endParaRPr>
+          </a:p>
+          <a:p>
+            <a:r>
+              <a:rPr kumimoji="1" lang="ja-JP" altLang="en-US" dirty="0">
+                <a:effectLst>
+                  <a:outerShdw blurRad="38100" dist="38100" dir="2700000" algn="tl">
+                    <a:srgbClr val="000000">
+                      <a:alpha val="43137"/>
+                    </a:srgbClr>
+                  </a:outerShdw>
+                </a:effectLst>
+              </a:rPr>
+              <a:t>・</a:t>
+            </a:r>
+            <a:r>
+              <a:rPr kumimoji="1" lang="en-US" altLang="ja-JP" dirty="0">
+                <a:effectLst>
+                  <a:outerShdw blurRad="38100" dist="38100" dir="2700000" algn="tl">
+                    <a:srgbClr val="000000">
+                      <a:alpha val="43137"/>
+                    </a:srgbClr>
+                  </a:outerShdw>
+                </a:effectLst>
+              </a:rPr>
+              <a:t>1-2</a:t>
+            </a:r>
+            <a:r>
+              <a:rPr kumimoji="1" lang="ja-JP" altLang="en-US" dirty="0">
+                <a:effectLst>
+                  <a:outerShdw blurRad="38100" dist="38100" dir="2700000" algn="tl">
+                    <a:srgbClr val="000000">
+                      <a:alpha val="43137"/>
+                    </a:srgbClr>
+                  </a:outerShdw>
+                </a:effectLst>
+              </a:rPr>
+              <a:t>はオリジナリティー</a:t>
+            </a:r>
+            <a:endParaRPr kumimoji="1" lang="en-US" altLang="ja-JP" dirty="0">
+              <a:effectLst>
+                <a:outerShdw blurRad="38100" dist="38100" dir="2700000" algn="tl">
+                  <a:srgbClr val="000000">
+                    <a:alpha val="43137"/>
+                  </a:srgbClr>
+                </a:outerShdw>
+              </a:effectLst>
+            </a:endParaRPr>
+          </a:p>
+          <a:p>
+            <a:r>
+              <a:rPr kumimoji="1" lang="en-US" altLang="ja-JP" dirty="0">
+                <a:effectLst>
+                  <a:outerShdw blurRad="38100" dist="38100" dir="2700000" algn="tl">
+                    <a:srgbClr val="000000">
+                      <a:alpha val="43137"/>
+                    </a:srgbClr>
+                  </a:outerShdw>
+                </a:effectLst>
+              </a:rPr>
+              <a:t>(</a:t>
+            </a:r>
+            <a:r>
+              <a:rPr kumimoji="1" lang="ja-JP" altLang="en-US" dirty="0">
+                <a:effectLst>
+                  <a:outerShdw blurRad="38100" dist="38100" dir="2700000" algn="tl">
+                    <a:srgbClr val="000000">
+                      <a:alpha val="43137"/>
+                    </a:srgbClr>
+                  </a:outerShdw>
+                </a:effectLst>
+              </a:rPr>
+              <a:t>いろいろなマリオのステージをつなぎ合わせて作る予定</a:t>
+            </a:r>
+            <a:r>
+              <a:rPr kumimoji="1" lang="en-US" altLang="ja-JP" dirty="0">
+                <a:effectLst>
+                  <a:outerShdw blurRad="38100" dist="38100" dir="2700000" algn="tl">
+                    <a:srgbClr val="000000">
+                      <a:alpha val="43137"/>
+                    </a:srgbClr>
+                  </a:outerShdw>
+                </a:effectLst>
+              </a:rPr>
+              <a:t>)</a:t>
+            </a:r>
+            <a:endParaRPr kumimoji="1" lang="ja-JP" altLang="en-US" dirty="0">
+              <a:effectLst>
+                <a:outerShdw blurRad="38100" dist="38100" dir="2700000" algn="tl">
+                  <a:srgbClr val="000000">
+                    <a:alpha val="43137"/>
+                  </a:srgbClr>
+                </a:outerShdw>
+              </a:effectLst>
+            </a:endParaRPr>
           </a:p>
         </p:txBody>
       </p:sp>
@@ -5007,80 +5985,781 @@
       </p:grpSpPr>
       <p:sp>
         <p:nvSpPr>
-          <p:cNvPr id="4" name="四角形: 角を丸くする 3">
-            <a:extLst>
-              <a:ext uri="{FF2B5EF4-FFF2-40B4-BE49-F238E27FC236}">
-                <a16:creationId xmlns:a16="http://schemas.microsoft.com/office/drawing/2014/main" id="{1D414596-5A7A-4418-B573-2A6192720E57}"/>
-              </a:ext>
-            </a:extLst>
-          </p:cNvPr>
-          <p:cNvSpPr/>
+          <p:cNvPr id="13" name="テキスト ボックス 12">
+            <a:extLst>
+              <a:ext uri="{FF2B5EF4-FFF2-40B4-BE49-F238E27FC236}">
+                <a16:creationId xmlns:a16="http://schemas.microsoft.com/office/drawing/2014/main" id="{09873800-C26A-44BB-9353-114DE826F36C}"/>
+              </a:ext>
+            </a:extLst>
+          </p:cNvPr>
+          <p:cNvSpPr txBox="1"/>
           <p:nvPr/>
         </p:nvSpPr>
         <p:spPr>
           <a:xfrm>
-            <a:off x="6570133" y="2316258"/>
-            <a:ext cx="4258734" cy="3331009"/>
+            <a:off x="4541382" y="443166"/>
+            <a:ext cx="3109235" cy="584775"/>
+          </a:xfrm>
+          <a:prstGeom prst="rect">
+            <a:avLst/>
+          </a:prstGeom>
+          <a:noFill/>
+        </p:spPr>
+        <p:txBody>
+          <a:bodyPr wrap="square" rtlCol="0">
+            <a:spAutoFit/>
+          </a:bodyPr>
+          <a:lstStyle/>
+          <a:p>
+            <a:pPr algn="ctr"/>
+            <a:r>
+              <a:rPr kumimoji="1" lang="ja-JP" altLang="en-US" sz="3200" b="1" dirty="0">
+                <a:effectLst>
+                  <a:outerShdw blurRad="38100" dist="38100" dir="2700000" algn="tl">
+                    <a:srgbClr val="000000">
+                      <a:alpha val="43137"/>
+                    </a:srgbClr>
+                  </a:outerShdw>
+                </a:effectLst>
+              </a:rPr>
+              <a:t>製作期間の目安</a:t>
+            </a:r>
+          </a:p>
+        </p:txBody>
+      </p:sp>
+      <p:grpSp>
+        <p:nvGrpSpPr>
+          <p:cNvPr id="2" name="グループ化 1">
+            <a:extLst>
+              <a:ext uri="{FF2B5EF4-FFF2-40B4-BE49-F238E27FC236}">
+                <a16:creationId xmlns:a16="http://schemas.microsoft.com/office/drawing/2014/main" id="{66F03B34-7790-46FB-B7D0-61FC5C99320D}"/>
+              </a:ext>
+            </a:extLst>
+          </p:cNvPr>
+          <p:cNvGrpSpPr/>
+          <p:nvPr/>
+        </p:nvGrpSpPr>
+        <p:grpSpPr>
+          <a:xfrm>
+            <a:off x="2001927" y="1175066"/>
+            <a:ext cx="8188144" cy="5239768"/>
+            <a:chOff x="532523" y="1134533"/>
+            <a:chExt cx="8442144" cy="5299035"/>
+          </a:xfrm>
+        </p:grpSpPr>
+        <p:sp>
+          <p:nvSpPr>
+            <p:cNvPr id="4" name="四角形: 角を丸くする 3">
+              <a:extLst>
+                <a:ext uri="{FF2B5EF4-FFF2-40B4-BE49-F238E27FC236}">
+                  <a16:creationId xmlns:a16="http://schemas.microsoft.com/office/drawing/2014/main" id="{1D414596-5A7A-4418-B573-2A6192720E57}"/>
+                </a:ext>
+              </a:extLst>
+            </p:cNvPr>
+            <p:cNvSpPr/>
+            <p:nvPr/>
+          </p:nvSpPr>
+          <p:spPr>
+            <a:xfrm>
+              <a:off x="532523" y="1134533"/>
+              <a:ext cx="8442144" cy="5299035"/>
+            </a:xfrm>
+            <a:prstGeom prst="roundRect">
+              <a:avLst/>
+            </a:prstGeom>
+            <a:solidFill>
+              <a:schemeClr val="accent1">
+                <a:lumMod val="75000"/>
+              </a:schemeClr>
+            </a:solidFill>
+          </p:spPr>
+          <p:style>
+            <a:lnRef idx="2">
+              <a:schemeClr val="accent1">
+                <a:shade val="50000"/>
+              </a:schemeClr>
+            </a:lnRef>
+            <a:fillRef idx="1">
+              <a:schemeClr val="accent1"/>
+            </a:fillRef>
+            <a:effectRef idx="0">
+              <a:schemeClr val="accent1"/>
+            </a:effectRef>
+            <a:fontRef idx="minor">
+              <a:schemeClr val="lt1"/>
+            </a:fontRef>
+          </p:style>
+          <p:txBody>
+            <a:bodyPr rtlCol="0" anchor="ctr"/>
+            <a:lstStyle/>
+            <a:p>
+              <a:pPr algn="ctr"/>
+              <a:endParaRPr kumimoji="1" lang="ja-JP" altLang="en-US" dirty="0"/>
+            </a:p>
+          </p:txBody>
+        </p:sp>
+        <p:sp>
+          <p:nvSpPr>
+            <p:cNvPr id="14" name="テキスト ボックス 13">
+              <a:extLst>
+                <a:ext uri="{FF2B5EF4-FFF2-40B4-BE49-F238E27FC236}">
+                  <a16:creationId xmlns:a16="http://schemas.microsoft.com/office/drawing/2014/main" id="{45B08CEF-EBBB-4567-8641-92A827299724}"/>
+                </a:ext>
+              </a:extLst>
+            </p:cNvPr>
+            <p:cNvSpPr txBox="1"/>
+            <p:nvPr/>
+          </p:nvSpPr>
+          <p:spPr>
+            <a:xfrm>
+              <a:off x="1183461" y="4007639"/>
+              <a:ext cx="7584558" cy="830997"/>
+            </a:xfrm>
+            <a:prstGeom prst="rect">
+              <a:avLst/>
+            </a:prstGeom>
+            <a:noFill/>
+          </p:spPr>
+          <p:txBody>
+            <a:bodyPr wrap="square" rtlCol="0">
+              <a:spAutoFit/>
+            </a:bodyPr>
+            <a:lstStyle/>
+            <a:p>
+              <a:r>
+                <a:rPr lang="en-US" altLang="ja-JP" sz="2400" b="1" dirty="0">
+                  <a:solidFill>
+                    <a:srgbClr val="FFC000"/>
+                  </a:solidFill>
+                  <a:effectLst>
+                    <a:outerShdw blurRad="38100" dist="38100" dir="2700000" algn="tl">
+                      <a:srgbClr val="000000">
+                        <a:alpha val="43137"/>
+                      </a:srgbClr>
+                    </a:outerShdw>
+                  </a:effectLst>
+                </a:rPr>
+                <a:t>β</a:t>
+              </a:r>
+              <a:r>
+                <a:rPr lang="ja-JP" altLang="en-US" sz="2400" b="1" dirty="0">
+                  <a:solidFill>
+                    <a:srgbClr val="FFC000"/>
+                  </a:solidFill>
+                  <a:effectLst>
+                    <a:outerShdw blurRad="38100" dist="38100" dir="2700000" algn="tl">
+                      <a:srgbClr val="000000">
+                        <a:alpha val="43137"/>
+                      </a:srgbClr>
+                    </a:outerShdw>
+                  </a:effectLst>
+                </a:rPr>
+                <a:t>　　　　</a:t>
+              </a:r>
+              <a:r>
+                <a:rPr lang="en-US" altLang="ja-JP" sz="2400" b="1" dirty="0">
+                  <a:solidFill>
+                    <a:srgbClr val="FFC000"/>
+                  </a:solidFill>
+                  <a:effectLst>
+                    <a:outerShdw blurRad="38100" dist="38100" dir="2700000" algn="tl">
+                      <a:srgbClr val="000000">
+                        <a:alpha val="43137"/>
+                      </a:srgbClr>
+                    </a:outerShdw>
+                  </a:effectLst>
+                </a:rPr>
+                <a:t>1/15</a:t>
+              </a:r>
+            </a:p>
+            <a:p>
+              <a:r>
+                <a:rPr lang="ja-JP" altLang="en-US" sz="2400" dirty="0">
+                  <a:solidFill>
+                    <a:schemeClr val="tx1">
+                      <a:lumMod val="95000"/>
+                      <a:lumOff val="5000"/>
+                    </a:schemeClr>
+                  </a:solidFill>
+                  <a:effectLst>
+                    <a:outerShdw blurRad="38100" dist="38100" dir="2700000" algn="tl">
+                      <a:srgbClr val="000000">
+                        <a:alpha val="43137"/>
+                      </a:srgbClr>
+                    </a:outerShdw>
+                  </a:effectLst>
+                </a:rPr>
+                <a:t>・ステージ選択シーンや</a:t>
+              </a:r>
+              <a:r>
+                <a:rPr lang="en-US" altLang="ja-JP" sz="2400" dirty="0">
+                  <a:solidFill>
+                    <a:schemeClr val="tx1">
+                      <a:lumMod val="95000"/>
+                      <a:lumOff val="5000"/>
+                    </a:schemeClr>
+                  </a:solidFill>
+                  <a:effectLst>
+                    <a:outerShdw blurRad="38100" dist="38100" dir="2700000" algn="tl">
+                      <a:srgbClr val="000000">
+                        <a:alpha val="43137"/>
+                      </a:srgbClr>
+                    </a:outerShdw>
+                  </a:effectLst>
+                </a:rPr>
+                <a:t>α</a:t>
+              </a:r>
+              <a:r>
+                <a:rPr lang="ja-JP" altLang="en-US" sz="2400" dirty="0">
+                  <a:solidFill>
+                    <a:schemeClr val="tx1">
+                      <a:lumMod val="95000"/>
+                      <a:lumOff val="5000"/>
+                    </a:schemeClr>
+                  </a:solidFill>
+                  <a:effectLst>
+                    <a:outerShdw blurRad="38100" dist="38100" dir="2700000" algn="tl">
+                      <a:srgbClr val="000000">
+                        <a:alpha val="43137"/>
+                      </a:srgbClr>
+                    </a:outerShdw>
+                  </a:effectLst>
+                </a:rPr>
+                <a:t>版時の改善部分の修正</a:t>
+              </a:r>
+              <a:endParaRPr lang="en-US" altLang="ja-JP" sz="2400" dirty="0">
+                <a:solidFill>
+                  <a:schemeClr val="tx1">
+                    <a:lumMod val="95000"/>
+                    <a:lumOff val="5000"/>
+                  </a:schemeClr>
+                </a:solidFill>
+                <a:effectLst>
+                  <a:outerShdw blurRad="38100" dist="38100" dir="2700000" algn="tl">
+                    <a:srgbClr val="000000">
+                      <a:alpha val="43137"/>
+                    </a:srgbClr>
+                  </a:outerShdw>
+                </a:effectLst>
+              </a:endParaRPr>
+            </a:p>
+          </p:txBody>
+        </p:sp>
+        <p:sp>
+          <p:nvSpPr>
+            <p:cNvPr id="15" name="テキスト ボックス 14">
+              <a:extLst>
+                <a:ext uri="{FF2B5EF4-FFF2-40B4-BE49-F238E27FC236}">
+                  <a16:creationId xmlns:a16="http://schemas.microsoft.com/office/drawing/2014/main" id="{628BFD53-A2F2-4A20-9FDF-751EE9B3920D}"/>
+                </a:ext>
+              </a:extLst>
+            </p:cNvPr>
+            <p:cNvSpPr txBox="1"/>
+            <p:nvPr/>
+          </p:nvSpPr>
+          <p:spPr>
+            <a:xfrm>
+              <a:off x="1183461" y="2652496"/>
+              <a:ext cx="7584558" cy="1200329"/>
+            </a:xfrm>
+            <a:prstGeom prst="rect">
+              <a:avLst/>
+            </a:prstGeom>
+            <a:noFill/>
+          </p:spPr>
+          <p:txBody>
+            <a:bodyPr wrap="square" rtlCol="0">
+              <a:spAutoFit/>
+            </a:bodyPr>
+            <a:lstStyle/>
+            <a:p>
+              <a:r>
+                <a:rPr lang="en-US" altLang="ja-JP" sz="2400" b="1" dirty="0">
+                  <a:solidFill>
+                    <a:srgbClr val="FFC000"/>
+                  </a:solidFill>
+                  <a:effectLst>
+                    <a:outerShdw blurRad="38100" dist="38100" dir="2700000" algn="tl">
+                      <a:srgbClr val="000000">
+                        <a:alpha val="43137"/>
+                      </a:srgbClr>
+                    </a:outerShdw>
+                  </a:effectLst>
+                </a:rPr>
+                <a:t>α</a:t>
+              </a:r>
+              <a:r>
+                <a:rPr lang="ja-JP" altLang="en-US" sz="2400" b="1" dirty="0">
+                  <a:solidFill>
+                    <a:srgbClr val="FFC000"/>
+                  </a:solidFill>
+                  <a:effectLst>
+                    <a:outerShdw blurRad="38100" dist="38100" dir="2700000" algn="tl">
+                      <a:srgbClr val="000000">
+                        <a:alpha val="43137"/>
+                      </a:srgbClr>
+                    </a:outerShdw>
+                  </a:effectLst>
+                </a:rPr>
+                <a:t>　　　　</a:t>
+              </a:r>
+              <a:r>
+                <a:rPr lang="en-US" altLang="ja-JP" sz="2400" b="1" dirty="0">
+                  <a:solidFill>
+                    <a:srgbClr val="FFC000"/>
+                  </a:solidFill>
+                  <a:effectLst>
+                    <a:outerShdw blurRad="38100" dist="38100" dir="2700000" algn="tl">
+                      <a:srgbClr val="000000">
+                        <a:alpha val="43137"/>
+                      </a:srgbClr>
+                    </a:outerShdw>
+                  </a:effectLst>
+                </a:rPr>
+                <a:t>12/31</a:t>
+              </a:r>
+            </a:p>
+            <a:p>
+              <a:r>
+                <a:rPr lang="ja-JP" altLang="en-US" sz="2400" dirty="0">
+                  <a:solidFill>
+                    <a:schemeClr val="tx1">
+                      <a:lumMod val="95000"/>
+                      <a:lumOff val="5000"/>
+                    </a:schemeClr>
+                  </a:solidFill>
+                  <a:effectLst>
+                    <a:outerShdw blurRad="38100" dist="38100" dir="2700000" algn="tl">
+                      <a:srgbClr val="000000">
+                        <a:alpha val="43137"/>
+                      </a:srgbClr>
+                    </a:outerShdw>
+                  </a:effectLst>
+                </a:rPr>
+                <a:t>・ゲームプレイシーンの完成</a:t>
+              </a:r>
+              <a:endParaRPr lang="en-US" altLang="ja-JP" sz="2400" dirty="0">
+                <a:solidFill>
+                  <a:schemeClr val="tx1">
+                    <a:lumMod val="95000"/>
+                    <a:lumOff val="5000"/>
+                  </a:schemeClr>
+                </a:solidFill>
+                <a:effectLst>
+                  <a:outerShdw blurRad="38100" dist="38100" dir="2700000" algn="tl">
+                    <a:srgbClr val="000000">
+                      <a:alpha val="43137"/>
+                    </a:srgbClr>
+                  </a:outerShdw>
+                </a:effectLst>
+              </a:endParaRPr>
+            </a:p>
+            <a:p>
+              <a:r>
+                <a:rPr lang="en-US" altLang="ja-JP" sz="2400" dirty="0">
+                  <a:solidFill>
+                    <a:schemeClr val="tx1">
+                      <a:lumMod val="95000"/>
+                      <a:lumOff val="5000"/>
+                    </a:schemeClr>
+                  </a:solidFill>
+                  <a:effectLst>
+                    <a:outerShdw blurRad="38100" dist="38100" dir="2700000" algn="tl">
+                      <a:srgbClr val="000000">
+                        <a:alpha val="43137"/>
+                      </a:srgbClr>
+                    </a:outerShdw>
+                  </a:effectLst>
+                </a:rPr>
+                <a:t>(</a:t>
+              </a:r>
+              <a:r>
+                <a:rPr lang="ja-JP" altLang="en-US" sz="2400" dirty="0">
+                  <a:solidFill>
+                    <a:schemeClr val="tx1">
+                      <a:lumMod val="95000"/>
+                      <a:lumOff val="5000"/>
+                    </a:schemeClr>
+                  </a:solidFill>
+                  <a:effectLst>
+                    <a:outerShdw blurRad="38100" dist="38100" dir="2700000" algn="tl">
+                      <a:srgbClr val="000000">
+                        <a:alpha val="43137"/>
+                      </a:srgbClr>
+                    </a:outerShdw>
+                  </a:effectLst>
+                </a:rPr>
+                <a:t>敵、ストック、ゴール処理、スコア</a:t>
+              </a:r>
+              <a:r>
+                <a:rPr lang="en-US" altLang="ja-JP" sz="2400" dirty="0">
+                  <a:solidFill>
+                    <a:schemeClr val="tx1">
+                      <a:lumMod val="95000"/>
+                      <a:lumOff val="5000"/>
+                    </a:schemeClr>
+                  </a:solidFill>
+                  <a:effectLst>
+                    <a:outerShdw blurRad="38100" dist="38100" dir="2700000" algn="tl">
+                      <a:srgbClr val="000000">
+                        <a:alpha val="43137"/>
+                      </a:srgbClr>
+                    </a:outerShdw>
+                  </a:effectLst>
+                </a:rPr>
+                <a:t>)</a:t>
+              </a:r>
+            </a:p>
+          </p:txBody>
+        </p:sp>
+        <p:sp>
+          <p:nvSpPr>
+            <p:cNvPr id="16" name="テキスト ボックス 15">
+              <a:extLst>
+                <a:ext uri="{FF2B5EF4-FFF2-40B4-BE49-F238E27FC236}">
+                  <a16:creationId xmlns:a16="http://schemas.microsoft.com/office/drawing/2014/main" id="{975DE30A-2F09-4AAB-B345-0233C75735EA}"/>
+                </a:ext>
+              </a:extLst>
+            </p:cNvPr>
+            <p:cNvSpPr txBox="1"/>
+            <p:nvPr/>
+          </p:nvSpPr>
+          <p:spPr>
+            <a:xfrm>
+              <a:off x="1183461" y="1653763"/>
+              <a:ext cx="7584558" cy="830997"/>
+            </a:xfrm>
+            <a:prstGeom prst="rect">
+              <a:avLst/>
+            </a:prstGeom>
+            <a:noFill/>
+          </p:spPr>
+          <p:txBody>
+            <a:bodyPr wrap="square" rtlCol="0">
+              <a:spAutoFit/>
+            </a:bodyPr>
+            <a:lstStyle/>
+            <a:p>
+              <a:r>
+                <a:rPr kumimoji="1" lang="ja-JP" altLang="en-US" sz="2400" b="1" dirty="0">
+                  <a:solidFill>
+                    <a:srgbClr val="FFC000"/>
+                  </a:solidFill>
+                  <a:effectLst>
+                    <a:outerShdw blurRad="38100" dist="38100" dir="2700000" algn="tl">
+                      <a:srgbClr val="000000">
+                        <a:alpha val="43137"/>
+                      </a:srgbClr>
+                    </a:outerShdw>
+                  </a:effectLst>
+                </a:rPr>
+                <a:t>プロト</a:t>
+              </a:r>
+              <a:r>
+                <a:rPr lang="ja-JP" altLang="en-US" sz="2400" b="1" dirty="0">
+                  <a:solidFill>
+                    <a:srgbClr val="FFC000"/>
+                  </a:solidFill>
+                  <a:effectLst>
+                    <a:outerShdw blurRad="38100" dist="38100" dir="2700000" algn="tl">
+                      <a:srgbClr val="000000">
+                        <a:alpha val="43137"/>
+                      </a:srgbClr>
+                    </a:outerShdw>
+                  </a:effectLst>
+                </a:rPr>
+                <a:t>　　</a:t>
+              </a:r>
+              <a:r>
+                <a:rPr kumimoji="1" lang="en-US" altLang="ja-JP" sz="2400" b="1" dirty="0">
+                  <a:solidFill>
+                    <a:srgbClr val="FFC000"/>
+                  </a:solidFill>
+                  <a:effectLst>
+                    <a:outerShdw blurRad="38100" dist="38100" dir="2700000" algn="tl">
+                      <a:srgbClr val="000000">
+                        <a:alpha val="43137"/>
+                      </a:srgbClr>
+                    </a:outerShdw>
+                  </a:effectLst>
+                </a:rPr>
+                <a:t>12/5</a:t>
+              </a:r>
+              <a:endParaRPr lang="en-US" altLang="ja-JP" sz="2400" b="1" dirty="0">
+                <a:solidFill>
+                  <a:srgbClr val="FFC000"/>
+                </a:solidFill>
+                <a:effectLst>
+                  <a:outerShdw blurRad="38100" dist="38100" dir="2700000" algn="tl">
+                    <a:srgbClr val="000000">
+                      <a:alpha val="43137"/>
+                    </a:srgbClr>
+                  </a:outerShdw>
+                </a:effectLst>
+              </a:endParaRPr>
+            </a:p>
+            <a:p>
+              <a:r>
+                <a:rPr kumimoji="1" lang="ja-JP" altLang="en-US" sz="2400" dirty="0">
+                  <a:solidFill>
+                    <a:schemeClr val="tx1">
+                      <a:lumMod val="95000"/>
+                      <a:lumOff val="5000"/>
+                    </a:schemeClr>
+                  </a:solidFill>
+                  <a:effectLst>
+                    <a:outerShdw blurRad="38100" dist="38100" dir="2700000" algn="tl">
+                      <a:srgbClr val="000000">
+                        <a:alpha val="43137"/>
+                      </a:srgbClr>
+                    </a:outerShdw>
+                  </a:effectLst>
+                </a:rPr>
+                <a:t>・画面切り替えの実装</a:t>
+              </a:r>
+              <a:r>
+                <a:rPr lang="ja-JP" altLang="en-US" sz="2400" dirty="0">
+                  <a:solidFill>
+                    <a:schemeClr val="tx1">
+                      <a:lumMod val="95000"/>
+                      <a:lumOff val="5000"/>
+                    </a:schemeClr>
+                  </a:solidFill>
+                  <a:effectLst>
+                    <a:outerShdw blurRad="38100" dist="38100" dir="2700000" algn="tl">
+                      <a:srgbClr val="000000">
+                        <a:alpha val="43137"/>
+                      </a:srgbClr>
+                    </a:outerShdw>
+                  </a:effectLst>
+                </a:rPr>
+                <a:t>、ゲームプレイシーン</a:t>
+              </a:r>
+              <a:r>
+                <a:rPr kumimoji="1" lang="ja-JP" altLang="en-US" sz="2400" dirty="0">
+                  <a:solidFill>
+                    <a:schemeClr val="tx1">
+                      <a:lumMod val="95000"/>
+                      <a:lumOff val="5000"/>
+                    </a:schemeClr>
+                  </a:solidFill>
+                  <a:effectLst>
+                    <a:outerShdw blurRad="38100" dist="38100" dir="2700000" algn="tl">
+                      <a:srgbClr val="000000">
+                        <a:alpha val="43137"/>
+                      </a:srgbClr>
+                    </a:outerShdw>
+                  </a:effectLst>
+                </a:rPr>
+                <a:t>　</a:t>
+              </a:r>
+              <a:endParaRPr kumimoji="1" lang="en-US" altLang="ja-JP" sz="2400" dirty="0">
+                <a:solidFill>
+                  <a:schemeClr val="tx1">
+                    <a:lumMod val="95000"/>
+                    <a:lumOff val="5000"/>
+                  </a:schemeClr>
+                </a:solidFill>
+                <a:effectLst>
+                  <a:outerShdw blurRad="38100" dist="38100" dir="2700000" algn="tl">
+                    <a:srgbClr val="000000">
+                      <a:alpha val="43137"/>
+                    </a:srgbClr>
+                  </a:outerShdw>
+                </a:effectLst>
+              </a:endParaRPr>
+            </a:p>
+          </p:txBody>
+        </p:sp>
+        <p:sp>
+          <p:nvSpPr>
+            <p:cNvPr id="17" name="テキスト ボックス 16">
+              <a:extLst>
+                <a:ext uri="{FF2B5EF4-FFF2-40B4-BE49-F238E27FC236}">
+                  <a16:creationId xmlns:a16="http://schemas.microsoft.com/office/drawing/2014/main" id="{FB04E212-DDE5-4D70-86CF-28775E6F0189}"/>
+                </a:ext>
+              </a:extLst>
+            </p:cNvPr>
+            <p:cNvSpPr txBox="1"/>
+            <p:nvPr/>
+          </p:nvSpPr>
+          <p:spPr>
+            <a:xfrm>
+              <a:off x="1183461" y="5006372"/>
+              <a:ext cx="7584557" cy="830997"/>
+            </a:xfrm>
+            <a:prstGeom prst="rect">
+              <a:avLst/>
+            </a:prstGeom>
+            <a:noFill/>
+          </p:spPr>
+          <p:txBody>
+            <a:bodyPr wrap="square" rtlCol="0">
+              <a:spAutoFit/>
+            </a:bodyPr>
+            <a:lstStyle/>
+            <a:p>
+              <a:r>
+                <a:rPr lang="ja-JP" altLang="en-US" sz="2400" b="1" dirty="0">
+                  <a:solidFill>
+                    <a:srgbClr val="FFC000"/>
+                  </a:solidFill>
+                  <a:effectLst>
+                    <a:outerShdw blurRad="38100" dist="38100" dir="2700000" algn="tl">
+                      <a:srgbClr val="000000">
+                        <a:alpha val="43137"/>
+                      </a:srgbClr>
+                    </a:outerShdw>
+                  </a:effectLst>
+                </a:rPr>
+                <a:t>マスター　</a:t>
+              </a:r>
+              <a:r>
+                <a:rPr lang="en-US" altLang="ja-JP" sz="2400" b="1" dirty="0">
+                  <a:solidFill>
+                    <a:srgbClr val="FFC000"/>
+                  </a:solidFill>
+                  <a:effectLst>
+                    <a:outerShdw blurRad="38100" dist="38100" dir="2700000" algn="tl">
+                      <a:srgbClr val="000000">
+                        <a:alpha val="43137"/>
+                      </a:srgbClr>
+                    </a:outerShdw>
+                  </a:effectLst>
+                </a:rPr>
+                <a:t>1/25</a:t>
+              </a:r>
+            </a:p>
+            <a:p>
+              <a:r>
+                <a:rPr lang="ja-JP" altLang="en-US" sz="2400" dirty="0">
+                  <a:solidFill>
+                    <a:schemeClr val="tx1">
+                      <a:lumMod val="95000"/>
+                      <a:lumOff val="5000"/>
+                    </a:schemeClr>
+                  </a:solidFill>
+                  <a:effectLst>
+                    <a:outerShdw blurRad="38100" dist="38100" dir="2700000" algn="tl">
+                      <a:srgbClr val="000000">
+                        <a:alpha val="43137"/>
+                      </a:srgbClr>
+                    </a:outerShdw>
+                  </a:effectLst>
+                </a:rPr>
+                <a:t>・バグ修正</a:t>
+              </a:r>
+              <a:r>
+                <a:rPr lang="en-US" altLang="ja-JP" sz="2400" dirty="0">
+                  <a:solidFill>
+                    <a:schemeClr val="tx1">
+                      <a:lumMod val="95000"/>
+                      <a:lumOff val="5000"/>
+                    </a:schemeClr>
+                  </a:solidFill>
+                  <a:effectLst>
+                    <a:outerShdw blurRad="38100" dist="38100" dir="2700000" algn="tl">
+                      <a:srgbClr val="000000">
+                        <a:alpha val="43137"/>
+                      </a:srgbClr>
+                    </a:outerShdw>
+                  </a:effectLst>
+                </a:rPr>
+                <a:t>(</a:t>
+              </a:r>
+              <a:r>
+                <a:rPr lang="ja-JP" altLang="en-US" sz="2400" dirty="0">
+                  <a:solidFill>
+                    <a:schemeClr val="tx1">
+                      <a:lumMod val="95000"/>
+                      <a:lumOff val="5000"/>
+                    </a:schemeClr>
+                  </a:solidFill>
+                  <a:effectLst>
+                    <a:outerShdw blurRad="38100" dist="38100" dir="2700000" algn="tl">
+                      <a:srgbClr val="000000">
+                        <a:alpha val="43137"/>
+                      </a:srgbClr>
+                    </a:outerShdw>
+                  </a:effectLst>
+                </a:rPr>
+                <a:t>完成状態</a:t>
+              </a:r>
+              <a:r>
+                <a:rPr lang="en-US" altLang="ja-JP" sz="2400" dirty="0">
+                  <a:solidFill>
+                    <a:schemeClr val="tx1">
+                      <a:lumMod val="95000"/>
+                      <a:lumOff val="5000"/>
+                    </a:schemeClr>
+                  </a:solidFill>
+                  <a:effectLst>
+                    <a:outerShdw blurRad="38100" dist="38100" dir="2700000" algn="tl">
+                      <a:srgbClr val="000000">
+                        <a:alpha val="43137"/>
+                      </a:srgbClr>
+                    </a:outerShdw>
+                  </a:effectLst>
+                </a:rPr>
+                <a:t>)</a:t>
+              </a:r>
+            </a:p>
+          </p:txBody>
+        </p:sp>
+      </p:grpSp>
+    </p:spTree>
+    <p:extLst>
+      <p:ext uri="{BB962C8B-B14F-4D97-AF65-F5344CB8AC3E}">
+        <p14:creationId xmlns:p14="http://schemas.microsoft.com/office/powerpoint/2010/main" val="1239599001"/>
+      </p:ext>
+    </p:extLst>
+  </p:cSld>
+  <p:clrMapOvr>
+    <a:masterClrMapping/>
+  </p:clrMapOvr>
+</p:sld>
+</file>
+
+<file path=ppt/slides/slide6.xml><?xml version="1.0" encoding="utf-8"?>
+<p:sld xmlns:a="http://schemas.openxmlformats.org/drawingml/2006/main" xmlns:r="http://schemas.openxmlformats.org/officeDocument/2006/relationships" xmlns:p="http://schemas.openxmlformats.org/presentationml/2006/main">
+  <p:cSld>
+    <p:spTree>
+      <p:nvGrpSpPr>
+        <p:cNvPr id="1" name=""/>
+        <p:cNvGrpSpPr/>
+        <p:nvPr/>
+      </p:nvGrpSpPr>
+      <p:grpSpPr>
+        <a:xfrm>
+          <a:off x="0" y="0"/>
+          <a:ext cx="0" cy="0"/>
+          <a:chOff x="0" y="0"/>
+          <a:chExt cx="0" cy="0"/>
+        </a:xfrm>
+      </p:grpSpPr>
+      <p:sp>
+        <p:nvSpPr>
+          <p:cNvPr id="9" name="テキスト ボックス 8">
+            <a:extLst>
+              <a:ext uri="{FF2B5EF4-FFF2-40B4-BE49-F238E27FC236}">
+                <a16:creationId xmlns:a16="http://schemas.microsoft.com/office/drawing/2014/main" id="{F881E300-6A7D-4899-8CD3-B1959EC07DF8}"/>
+              </a:ext>
+            </a:extLst>
+          </p:cNvPr>
+          <p:cNvSpPr txBox="1"/>
+          <p:nvPr/>
+        </p:nvSpPr>
+        <p:spPr>
+          <a:xfrm>
+            <a:off x="3722803" y="1012898"/>
+            <a:ext cx="4401776" cy="646986"/>
           </a:xfrm>
           <a:prstGeom prst="roundRect">
             <a:avLst/>
           </a:prstGeom>
           <a:solidFill>
             <a:schemeClr val="accent1">
-              <a:lumMod val="40000"/>
-              <a:lumOff val="60000"/>
-            </a:schemeClr>
-          </a:solidFill>
-        </p:spPr>
-        <p:style>
-          <a:lnRef idx="2">
-            <a:schemeClr val="accent1">
-              <a:shade val="50000"/>
-            </a:schemeClr>
-          </a:lnRef>
-          <a:fillRef idx="1">
-            <a:schemeClr val="accent1"/>
-          </a:fillRef>
-          <a:effectRef idx="0">
-            <a:schemeClr val="accent1"/>
-          </a:effectRef>
-          <a:fontRef idx="minor">
-            <a:schemeClr val="lt1"/>
-          </a:fontRef>
-        </p:style>
-        <p:txBody>
-          <a:bodyPr rtlCol="0" anchor="ctr"/>
-          <a:lstStyle/>
-          <a:p>
-            <a:pPr algn="ctr"/>
-            <a:endParaRPr kumimoji="1" lang="ja-JP" altLang="en-US"/>
-          </a:p>
-        </p:txBody>
-      </p:sp>
-      <p:sp>
-        <p:nvSpPr>
-          <p:cNvPr id="9" name="テキスト ボックス 8">
-            <a:extLst>
-              <a:ext uri="{FF2B5EF4-FFF2-40B4-BE49-F238E27FC236}">
-                <a16:creationId xmlns:a16="http://schemas.microsoft.com/office/drawing/2014/main" id="{F881E300-6A7D-4899-8CD3-B1959EC07DF8}"/>
-              </a:ext>
-            </a:extLst>
-          </p:cNvPr>
-          <p:cNvSpPr txBox="1"/>
-          <p:nvPr/>
-        </p:nvSpPr>
-        <p:spPr>
-          <a:xfrm>
-            <a:off x="1183512" y="3519417"/>
-            <a:ext cx="4401776" cy="584775"/>
-          </a:xfrm>
-          <a:prstGeom prst="rect">
-            <a:avLst/>
-          </a:prstGeom>
-          <a:solidFill>
-            <a:schemeClr val="accent1">
-              <a:lumMod val="40000"/>
-              <a:lumOff val="60000"/>
+              <a:lumMod val="75000"/>
             </a:schemeClr>
           </a:solidFill>
         </p:spPr>
@@ -5099,6 +6778,13 @@
                     <a:lumOff val="5000"/>
                   </a:schemeClr>
                 </a:solidFill>
+                <a:effectLst>
+                  <a:outerShdw blurRad="38100" dist="38100" dir="2700000" algn="tl">
+                    <a:srgbClr val="000000">
+                      <a:alpha val="43137"/>
+                    </a:srgbClr>
+                  </a:outerShdw>
+                </a:effectLst>
                 <a:latin typeface="メイリオ"/>
                 <a:ea typeface="メイリオ"/>
               </a:rPr>
@@ -5112,6 +6798,13 @@
                     <a:lumOff val="5000"/>
                   </a:schemeClr>
                 </a:solidFill>
+                <a:effectLst>
+                  <a:outerShdw blurRad="38100" dist="38100" dir="2700000" algn="tl">
+                    <a:srgbClr val="000000">
+                      <a:alpha val="43137"/>
+                    </a:srgbClr>
+                  </a:outerShdw>
+                </a:effectLst>
                 <a:latin typeface="メイリオ"/>
                 <a:ea typeface="メイリオ"/>
               </a:rPr>
@@ -5125,6 +6818,13 @@
                     <a:lumOff val="5000"/>
                   </a:schemeClr>
                 </a:solidFill>
+                <a:effectLst>
+                  <a:outerShdw blurRad="38100" dist="38100" dir="2700000" algn="tl">
+                    <a:srgbClr val="000000">
+                      <a:alpha val="43137"/>
+                    </a:srgbClr>
+                  </a:outerShdw>
+                </a:effectLst>
                 <a:latin typeface="メイリオ"/>
                 <a:ea typeface="メイリオ"/>
               </a:rPr>
@@ -5138,6 +6838,13 @@
                     <a:lumOff val="5000"/>
                   </a:schemeClr>
                 </a:solidFill>
+                <a:effectLst>
+                  <a:outerShdw blurRad="38100" dist="38100" dir="2700000" algn="tl">
+                    <a:srgbClr val="000000">
+                      <a:alpha val="43137"/>
+                    </a:srgbClr>
+                  </a:outerShdw>
+                </a:effectLst>
                 <a:latin typeface="メイリオ"/>
                 <a:ea typeface="メイリオ"/>
               </a:rPr>
@@ -5150,6 +6857,13 @@
                   <a:lumOff val="5000"/>
                 </a:schemeClr>
               </a:solidFill>
+              <a:effectLst>
+                <a:outerShdw blurRad="38100" dist="38100" dir="2700000" algn="tl">
+                  <a:srgbClr val="000000">
+                    <a:alpha val="43137"/>
+                  </a:srgbClr>
+                </a:outerShdw>
+              </a:effectLst>
               <a:latin typeface="メイリオ" panose="020B0604030504040204" pitchFamily="50" charset="-128"/>
               <a:ea typeface="メイリオ" panose="020B0604030504040204" pitchFamily="50" charset="-128"/>
             </a:endParaRPr>
@@ -5170,16 +6884,15 @@
         </p:nvSpPr>
         <p:spPr>
           <a:xfrm>
-            <a:off x="1599603" y="1113099"/>
-            <a:ext cx="3569594" cy="584775"/>
+            <a:off x="7079804" y="2782014"/>
+            <a:ext cx="3569594" cy="646986"/>
           </a:xfrm>
-          <a:prstGeom prst="rect">
+          <a:prstGeom prst="roundRect">
             <a:avLst/>
           </a:prstGeom>
           <a:solidFill>
             <a:schemeClr val="accent1">
-              <a:lumMod val="40000"/>
-              <a:lumOff val="60000"/>
+              <a:lumMod val="75000"/>
             </a:schemeClr>
           </a:solidFill>
         </p:spPr>
@@ -5198,6 +6911,13 @@
                     <a:lumOff val="5000"/>
                   </a:schemeClr>
                 </a:solidFill>
+                <a:effectLst>
+                  <a:outerShdw blurRad="38100" dist="38100" dir="2700000" algn="tl">
+                    <a:srgbClr val="000000">
+                      <a:alpha val="43137"/>
+                    </a:srgbClr>
+                  </a:outerShdw>
+                </a:effectLst>
                 <a:latin typeface="メイリオ"/>
                 <a:ea typeface="メイリオ"/>
               </a:rPr>
@@ -5211,6 +6931,13 @@
                     <a:lumOff val="5000"/>
                   </a:schemeClr>
                 </a:solidFill>
+                <a:effectLst>
+                  <a:outerShdw blurRad="38100" dist="38100" dir="2700000" algn="tl">
+                    <a:srgbClr val="000000">
+                      <a:alpha val="43137"/>
+                    </a:srgbClr>
+                  </a:outerShdw>
+                </a:effectLst>
                 <a:latin typeface="メイリオ"/>
                 <a:ea typeface="メイリオ"/>
               </a:rPr>
@@ -5223,6 +6950,13 @@
                   <a:lumOff val="5000"/>
                 </a:schemeClr>
               </a:solidFill>
+              <a:effectLst>
+                <a:outerShdw blurRad="38100" dist="38100" dir="2700000" algn="tl">
+                  <a:srgbClr val="000000">
+                    <a:alpha val="43137"/>
+                  </a:srgbClr>
+                </a:outerShdw>
+              </a:effectLst>
               <a:latin typeface="メイリオ" panose="020B0604030504040204" pitchFamily="50" charset="-128"/>
               <a:ea typeface="メイリオ" panose="020B0604030504040204" pitchFamily="50" charset="-128"/>
             </a:endParaRPr>
@@ -5243,16 +6977,15 @@
         </p:nvSpPr>
         <p:spPr>
           <a:xfrm>
-            <a:off x="701954" y="4779442"/>
-            <a:ext cx="5364891" cy="584775"/>
+            <a:off x="558800" y="4551130"/>
+            <a:ext cx="5364891" cy="646986"/>
           </a:xfrm>
-          <a:prstGeom prst="rect">
+          <a:prstGeom prst="roundRect">
             <a:avLst/>
           </a:prstGeom>
           <a:solidFill>
             <a:schemeClr val="accent1">
-              <a:lumMod val="40000"/>
-              <a:lumOff val="60000"/>
+              <a:lumMod val="75000"/>
             </a:schemeClr>
           </a:solidFill>
         </p:spPr>
@@ -5271,6 +7004,13 @@
                     <a:lumOff val="5000"/>
                   </a:schemeClr>
                 </a:solidFill>
+                <a:effectLst>
+                  <a:outerShdw blurRad="38100" dist="38100" dir="2700000" algn="tl">
+                    <a:srgbClr val="000000">
+                      <a:alpha val="43137"/>
+                    </a:srgbClr>
+                  </a:outerShdw>
+                </a:effectLst>
                 <a:latin typeface="メイリオ"/>
                 <a:ea typeface="メイリオ"/>
               </a:rPr>
@@ -5283,6 +7023,13 @@
                   <a:lumOff val="5000"/>
                 </a:schemeClr>
               </a:solidFill>
+              <a:effectLst>
+                <a:outerShdw blurRad="38100" dist="38100" dir="2700000" algn="tl">
+                  <a:srgbClr val="000000">
+                    <a:alpha val="43137"/>
+                  </a:srgbClr>
+                </a:outerShdw>
+              </a:effectLst>
               <a:latin typeface="メイリオ" panose="020B0604030504040204" pitchFamily="50" charset="-128"/>
               <a:ea typeface="メイリオ" panose="020B0604030504040204" pitchFamily="50" charset="-128"/>
             </a:endParaRPr>
@@ -5303,16 +7050,15 @@
         </p:nvSpPr>
         <p:spPr>
           <a:xfrm>
-            <a:off x="5918200" y="1113098"/>
-            <a:ext cx="5486400" cy="584775"/>
+            <a:off x="6417734" y="4551130"/>
+            <a:ext cx="5486400" cy="646986"/>
           </a:xfrm>
-          <a:prstGeom prst="rect">
+          <a:prstGeom prst="roundRect">
             <a:avLst/>
           </a:prstGeom>
           <a:solidFill>
             <a:schemeClr val="accent1">
-              <a:lumMod val="40000"/>
-              <a:lumOff val="60000"/>
+              <a:lumMod val="75000"/>
             </a:schemeClr>
           </a:solidFill>
         </p:spPr>
@@ -5331,6 +7077,13 @@
                     <a:lumOff val="5000"/>
                   </a:schemeClr>
                 </a:solidFill>
+                <a:effectLst>
+                  <a:outerShdw blurRad="38100" dist="38100" dir="2700000" algn="tl">
+                    <a:srgbClr val="000000">
+                      <a:alpha val="43137"/>
+                    </a:srgbClr>
+                  </a:outerShdw>
+                </a:effectLst>
                 <a:latin typeface="メイリオ"/>
                 <a:ea typeface="メイリオ"/>
               </a:rPr>
@@ -5344,6 +7097,13 @@
                     <a:lumOff val="5000"/>
                   </a:schemeClr>
                 </a:solidFill>
+                <a:effectLst>
+                  <a:outerShdw blurRad="38100" dist="38100" dir="2700000" algn="tl">
+                    <a:srgbClr val="000000">
+                      <a:alpha val="43137"/>
+                    </a:srgbClr>
+                  </a:outerShdw>
+                </a:effectLst>
                 <a:latin typeface="メイリオ"/>
                 <a:ea typeface="メイリオ"/>
               </a:rPr>
@@ -5357,6 +7117,13 @@
                     <a:lumOff val="5000"/>
                   </a:schemeClr>
                 </a:solidFill>
+                <a:effectLst>
+                  <a:outerShdw blurRad="38100" dist="38100" dir="2700000" algn="tl">
+                    <a:srgbClr val="000000">
+                      <a:alpha val="43137"/>
+                    </a:srgbClr>
+                  </a:outerShdw>
+                </a:effectLst>
                 <a:latin typeface="メイリオ"/>
                 <a:ea typeface="メイリオ"/>
               </a:rPr>
@@ -5370,6 +7137,13 @@
                     <a:lumOff val="5000"/>
                   </a:schemeClr>
                 </a:solidFill>
+                <a:effectLst>
+                  <a:outerShdw blurRad="38100" dist="38100" dir="2700000" algn="tl">
+                    <a:srgbClr val="000000">
+                      <a:alpha val="43137"/>
+                    </a:srgbClr>
+                  </a:outerShdw>
+                </a:effectLst>
                 <a:latin typeface="メイリオ"/>
                 <a:ea typeface="メイリオ"/>
               </a:rPr>
@@ -5383,6 +7157,13 @@
                     <a:lumOff val="5000"/>
                   </a:schemeClr>
                 </a:solidFill>
+                <a:effectLst>
+                  <a:outerShdw blurRad="38100" dist="38100" dir="2700000" algn="tl">
+                    <a:srgbClr val="000000">
+                      <a:alpha val="43137"/>
+                    </a:srgbClr>
+                  </a:outerShdw>
+                </a:effectLst>
                 <a:latin typeface="メイリオ"/>
                 <a:ea typeface="メイリオ"/>
               </a:rPr>
@@ -5395,6 +7176,13 @@
                   <a:lumOff val="5000"/>
                 </a:schemeClr>
               </a:solidFill>
+              <a:effectLst>
+                <a:outerShdw blurRad="38100" dist="38100" dir="2700000" algn="tl">
+                  <a:srgbClr val="000000">
+                    <a:alpha val="43137"/>
+                  </a:srgbClr>
+                </a:outerShdw>
+              </a:effectLst>
               <a:latin typeface="メイリオ" panose="020B0604030504040204" pitchFamily="50" charset="-128"/>
               <a:ea typeface="メイリオ" panose="020B0604030504040204" pitchFamily="50" charset="-128"/>
             </a:endParaRPr>
@@ -5415,16 +7203,15 @@
         </p:nvSpPr>
         <p:spPr>
           <a:xfrm>
-            <a:off x="1599603" y="2316258"/>
-            <a:ext cx="3569594" cy="584775"/>
+            <a:off x="1320981" y="2782014"/>
+            <a:ext cx="3569594" cy="646986"/>
           </a:xfrm>
-          <a:prstGeom prst="rect">
+          <a:prstGeom prst="roundRect">
             <a:avLst/>
           </a:prstGeom>
           <a:solidFill>
             <a:schemeClr val="accent1">
-              <a:lumMod val="40000"/>
-              <a:lumOff val="60000"/>
+              <a:lumMod val="75000"/>
             </a:schemeClr>
           </a:solidFill>
         </p:spPr>
@@ -5443,6 +7230,13 @@
                     <a:lumOff val="5000"/>
                   </a:schemeClr>
                 </a:solidFill>
+                <a:effectLst>
+                  <a:outerShdw blurRad="38100" dist="38100" dir="2700000" algn="tl">
+                    <a:srgbClr val="000000">
+                      <a:alpha val="43137"/>
+                    </a:srgbClr>
+                  </a:outerShdw>
+                </a:effectLst>
                 <a:latin typeface="メイリオ"/>
                 <a:ea typeface="メイリオ"/>
               </a:rPr>
@@ -5456,6 +7250,13 @@
                     <a:lumOff val="5000"/>
                   </a:schemeClr>
                 </a:solidFill>
+                <a:effectLst>
+                  <a:outerShdw blurRad="38100" dist="38100" dir="2700000" algn="tl">
+                    <a:srgbClr val="000000">
+                      <a:alpha val="43137"/>
+                    </a:srgbClr>
+                  </a:outerShdw>
+                </a:effectLst>
                 <a:latin typeface="メイリオ"/>
                 <a:ea typeface="メイリオ"/>
               </a:rPr>
@@ -5468,6 +7269,13 @@
                   <a:lumOff val="5000"/>
                 </a:schemeClr>
               </a:solidFill>
+              <a:effectLst>
+                <a:outerShdw blurRad="38100" dist="38100" dir="2700000" algn="tl">
+                  <a:srgbClr val="000000">
+                    <a:alpha val="43137"/>
+                  </a:srgbClr>
+                </a:outerShdw>
+              </a:effectLst>
               <a:latin typeface="メイリオ" panose="020B0604030504040204" pitchFamily="50" charset="-128"/>
               <a:ea typeface="メイリオ" panose="020B0604030504040204" pitchFamily="50" charset="-128"/>
             </a:endParaRPr>
@@ -5476,10 +7284,10 @@
       </p:sp>
       <p:sp>
         <p:nvSpPr>
-          <p:cNvPr id="13" name="テキスト ボックス 12">
-            <a:extLst>
-              <a:ext uri="{FF2B5EF4-FFF2-40B4-BE49-F238E27FC236}">
-                <a16:creationId xmlns:a16="http://schemas.microsoft.com/office/drawing/2014/main" id="{09873800-C26A-44BB-9353-114DE826F36C}"/>
+          <p:cNvPr id="2" name="テキスト ボックス 1">
+            <a:extLst>
+              <a:ext uri="{FF2B5EF4-FFF2-40B4-BE49-F238E27FC236}">
+                <a16:creationId xmlns:a16="http://schemas.microsoft.com/office/drawing/2014/main" id="{3EA35B8C-B87A-40A1-BDDD-893363AF5C94}"/>
               </a:ext>
             </a:extLst>
           </p:cNvPr>
@@ -5488,8 +7296,8 @@
         </p:nvSpPr>
         <p:spPr>
           <a:xfrm>
-            <a:off x="7139384" y="2372242"/>
-            <a:ext cx="3109235" cy="461665"/>
+            <a:off x="558800" y="221803"/>
+            <a:ext cx="1007533" cy="584775"/>
           </a:xfrm>
           <a:prstGeom prst="rect">
             <a:avLst/>
@@ -5502,27 +7310,27 @@
           </a:bodyPr>
           <a:lstStyle/>
           <a:p>
-            <a:pPr algn="ctr"/>
-            <a:r>
-              <a:rPr kumimoji="1" lang="ja-JP" altLang="en-US" sz="2400" dirty="0">
-                <a:solidFill>
-                  <a:schemeClr val="tx1">
-                    <a:lumMod val="95000"/>
-                    <a:lumOff val="5000"/>
-                  </a:schemeClr>
-                </a:solidFill>
+            <a:r>
+              <a:rPr kumimoji="1" lang="ja-JP" altLang="en-US" sz="3200" b="1" dirty="0">
+                <a:effectLst>
+                  <a:outerShdw blurRad="38100" dist="38100" dir="2700000" algn="tl">
+                    <a:srgbClr val="000000">
+                      <a:alpha val="43137"/>
+                    </a:srgbClr>
+                  </a:outerShdw>
+                </a:effectLst>
               </a:rPr>
-              <a:t>製作期間の目安</a:t>
-            </a:r>
-          </a:p>
-        </p:txBody>
-      </p:sp>
-      <p:sp>
-        <p:nvSpPr>
-          <p:cNvPr id="14" name="テキスト ボックス 13">
-            <a:extLst>
-              <a:ext uri="{FF2B5EF4-FFF2-40B4-BE49-F238E27FC236}">
-                <a16:creationId xmlns:a16="http://schemas.microsoft.com/office/drawing/2014/main" id="{45B08CEF-EBBB-4567-8641-92A827299724}"/>
+              <a:t>概要</a:t>
+            </a:r>
+          </a:p>
+        </p:txBody>
+      </p:sp>
+      <p:sp>
+        <p:nvSpPr>
+          <p:cNvPr id="5" name="テキスト ボックス 4">
+            <a:extLst>
+              <a:ext uri="{FF2B5EF4-FFF2-40B4-BE49-F238E27FC236}">
+                <a16:creationId xmlns:a16="http://schemas.microsoft.com/office/drawing/2014/main" id="{EC871D02-469A-4EA5-AAE8-930E2447A549}"/>
               </a:ext>
             </a:extLst>
           </p:cNvPr>
@@ -5531,13 +7339,15 @@
         </p:nvSpPr>
         <p:spPr>
           <a:xfrm>
-            <a:off x="7022075" y="4241584"/>
-            <a:ext cx="1827133" cy="461665"/>
+            <a:off x="9160934" y="-137986"/>
+            <a:ext cx="5364892" cy="1727002"/>
           </a:xfrm>
-          <a:prstGeom prst="rect">
+          <a:prstGeom prst="star24">
             <a:avLst/>
           </a:prstGeom>
-          <a:noFill/>
+          <a:solidFill>
+            <a:srgbClr val="FFFF00"/>
+          </a:solidFill>
         </p:spPr>
         <p:txBody>
           <a:bodyPr wrap="square" rtlCol="0">
@@ -5545,249 +7355,59 @@
           </a:bodyPr>
           <a:lstStyle/>
           <a:p>
-            <a:r>
-              <a:rPr lang="en-US" altLang="ja-JP" sz="2400" dirty="0">
+            <a:pPr algn="ctr"/>
+            <a:r>
+              <a:rPr kumimoji="1" lang="ja-JP" altLang="en-US" dirty="0">
                 <a:solidFill>
-                  <a:schemeClr val="tx1">
-                    <a:lumMod val="95000"/>
-                    <a:lumOff val="5000"/>
-                  </a:schemeClr>
+                  <a:srgbClr val="FF0000"/>
                 </a:solidFill>
               </a:rPr>
-              <a:t>β</a:t>
-            </a:r>
-            <a:r>
-              <a:rPr lang="ja-JP" altLang="en-US" sz="2400" dirty="0">
+              <a:t>追記</a:t>
+            </a:r>
+            <a:endParaRPr kumimoji="1" lang="en-US" altLang="ja-JP" dirty="0">
+              <a:solidFill>
+                <a:srgbClr val="FF0000"/>
+              </a:solidFill>
+            </a:endParaRPr>
+          </a:p>
+          <a:p>
+            <a:pPr algn="ctr"/>
+            <a:r>
+              <a:rPr lang="ja-JP" altLang="en-US" dirty="0">
                 <a:solidFill>
-                  <a:schemeClr val="tx1">
-                    <a:lumMod val="95000"/>
-                    <a:lumOff val="5000"/>
-                  </a:schemeClr>
+                  <a:srgbClr val="FF0000"/>
                 </a:solidFill>
               </a:rPr>
-              <a:t>　　</a:t>
-            </a:r>
-            <a:r>
-              <a:rPr lang="en-US" altLang="ja-JP" sz="2400" dirty="0">
+              <a:t>色は　目が痛かったので</a:t>
+            </a:r>
+            <a:endParaRPr lang="en-US" altLang="ja-JP" dirty="0">
+              <a:solidFill>
+                <a:srgbClr val="FF0000"/>
+              </a:solidFill>
+            </a:endParaRPr>
+          </a:p>
+          <a:p>
+            <a:pPr algn="ctr"/>
+            <a:r>
+              <a:rPr lang="ja-JP" altLang="en-US" dirty="0">
                 <a:solidFill>
-                  <a:schemeClr val="tx1">
-                    <a:lumMod val="95000"/>
-                    <a:lumOff val="5000"/>
-                  </a:schemeClr>
+                  <a:srgbClr val="FF0000"/>
                 </a:solidFill>
               </a:rPr>
-              <a:t>1/15</a:t>
-            </a:r>
-          </a:p>
-        </p:txBody>
-      </p:sp>
-      <p:sp>
-        <p:nvSpPr>
-          <p:cNvPr id="15" name="テキスト ボックス 14">
-            <a:extLst>
-              <a:ext uri="{FF2B5EF4-FFF2-40B4-BE49-F238E27FC236}">
-                <a16:creationId xmlns:a16="http://schemas.microsoft.com/office/drawing/2014/main" id="{628BFD53-A2F2-4A20-9FDF-751EE9B3920D}"/>
-              </a:ext>
-            </a:extLst>
-          </p:cNvPr>
-          <p:cNvSpPr txBox="1"/>
-          <p:nvPr/>
-        </p:nvSpPr>
-        <p:spPr>
-          <a:xfrm>
-            <a:off x="7022075" y="3618091"/>
-            <a:ext cx="2247661" cy="461665"/>
-          </a:xfrm>
-          <a:prstGeom prst="rect">
-            <a:avLst/>
-          </a:prstGeom>
-          <a:noFill/>
-        </p:spPr>
-        <p:txBody>
-          <a:bodyPr wrap="square" rtlCol="0">
-            <a:spAutoFit/>
-          </a:bodyPr>
-          <a:lstStyle/>
-          <a:p>
-            <a:r>
-              <a:rPr lang="en-US" altLang="ja-JP" sz="2400" dirty="0">
-                <a:solidFill>
-                  <a:schemeClr val="tx1">
-                    <a:lumMod val="95000"/>
-                    <a:lumOff val="5000"/>
-                  </a:schemeClr>
-                </a:solidFill>
-              </a:rPr>
-              <a:t>α</a:t>
-            </a:r>
-            <a:r>
-              <a:rPr lang="ja-JP" altLang="en-US" sz="2400" dirty="0">
-                <a:solidFill>
-                  <a:schemeClr val="tx1">
-                    <a:lumMod val="95000"/>
-                    <a:lumOff val="5000"/>
-                  </a:schemeClr>
-                </a:solidFill>
-              </a:rPr>
-              <a:t>　　　</a:t>
-            </a:r>
-            <a:r>
-              <a:rPr lang="en-US" altLang="ja-JP" sz="2400" dirty="0">
-                <a:solidFill>
-                  <a:schemeClr val="tx1">
-                    <a:lumMod val="95000"/>
-                    <a:lumOff val="5000"/>
-                  </a:schemeClr>
-                </a:solidFill>
-              </a:rPr>
-              <a:t>12/31</a:t>
-            </a:r>
-          </a:p>
-        </p:txBody>
-      </p:sp>
-      <p:sp>
-        <p:nvSpPr>
-          <p:cNvPr id="16" name="テキスト ボックス 15">
-            <a:extLst>
-              <a:ext uri="{FF2B5EF4-FFF2-40B4-BE49-F238E27FC236}">
-                <a16:creationId xmlns:a16="http://schemas.microsoft.com/office/drawing/2014/main" id="{975DE30A-2F09-4AAB-B345-0233C75735EA}"/>
-              </a:ext>
-            </a:extLst>
-          </p:cNvPr>
-          <p:cNvSpPr txBox="1"/>
-          <p:nvPr/>
-        </p:nvSpPr>
-        <p:spPr>
-          <a:xfrm>
-            <a:off x="7022075" y="2995735"/>
-            <a:ext cx="2683868" cy="461665"/>
-          </a:xfrm>
-          <a:prstGeom prst="rect">
-            <a:avLst/>
-          </a:prstGeom>
-          <a:noFill/>
-        </p:spPr>
-        <p:txBody>
-          <a:bodyPr wrap="square" rtlCol="0">
-            <a:spAutoFit/>
-          </a:bodyPr>
-          <a:lstStyle/>
-          <a:p>
-            <a:r>
-              <a:rPr kumimoji="1" lang="ja-JP" altLang="en-US" sz="2400" dirty="0">
-                <a:solidFill>
-                  <a:schemeClr val="tx1">
-                    <a:lumMod val="95000"/>
-                    <a:lumOff val="5000"/>
-                  </a:schemeClr>
-                </a:solidFill>
-              </a:rPr>
-              <a:t>プロト</a:t>
-            </a:r>
-            <a:r>
-              <a:rPr lang="ja-JP" altLang="en-US" sz="2400" dirty="0">
-                <a:solidFill>
-                  <a:schemeClr val="tx1">
-                    <a:lumMod val="95000"/>
-                    <a:lumOff val="5000"/>
-                  </a:schemeClr>
-                </a:solidFill>
-              </a:rPr>
-              <a:t>　　　</a:t>
-            </a:r>
-            <a:r>
-              <a:rPr kumimoji="1" lang="en-US" altLang="ja-JP" sz="2400" dirty="0">
-                <a:solidFill>
-                  <a:schemeClr val="tx1">
-                    <a:lumMod val="95000"/>
-                    <a:lumOff val="5000"/>
-                  </a:schemeClr>
-                </a:solidFill>
-              </a:rPr>
-              <a:t>12/1</a:t>
-            </a:r>
-          </a:p>
-        </p:txBody>
-      </p:sp>
-      <p:sp>
-        <p:nvSpPr>
-          <p:cNvPr id="17" name="テキスト ボックス 16">
-            <a:extLst>
-              <a:ext uri="{FF2B5EF4-FFF2-40B4-BE49-F238E27FC236}">
-                <a16:creationId xmlns:a16="http://schemas.microsoft.com/office/drawing/2014/main" id="{FB04E212-DDE5-4D70-86CF-28775E6F0189}"/>
-              </a:ext>
-            </a:extLst>
-          </p:cNvPr>
-          <p:cNvSpPr txBox="1"/>
-          <p:nvPr/>
-        </p:nvSpPr>
-        <p:spPr>
-          <a:xfrm>
-            <a:off x="7022075" y="4865077"/>
-            <a:ext cx="2984261" cy="461665"/>
-          </a:xfrm>
-          <a:prstGeom prst="rect">
-            <a:avLst/>
-          </a:prstGeom>
-          <a:noFill/>
-        </p:spPr>
-        <p:txBody>
-          <a:bodyPr wrap="square" rtlCol="0">
-            <a:spAutoFit/>
-          </a:bodyPr>
-          <a:lstStyle/>
-          <a:p>
-            <a:r>
-              <a:rPr lang="ja-JP" altLang="en-US" sz="2400" dirty="0">
-                <a:solidFill>
-                  <a:schemeClr val="tx1">
-                    <a:lumMod val="95000"/>
-                    <a:lumOff val="5000"/>
-                  </a:schemeClr>
-                </a:solidFill>
-              </a:rPr>
-              <a:t>マスター</a:t>
-            </a:r>
-            <a:r>
-              <a:rPr lang="en-US" altLang="ja-JP" sz="2400" dirty="0">
-                <a:solidFill>
-                  <a:schemeClr val="tx1">
-                    <a:lumMod val="95000"/>
-                    <a:lumOff val="5000"/>
-                  </a:schemeClr>
-                </a:solidFill>
-              </a:rPr>
-              <a:t>	</a:t>
-            </a:r>
-            <a:r>
-              <a:rPr lang="ja-JP" altLang="en-US" sz="2400" dirty="0">
-                <a:solidFill>
-                  <a:schemeClr val="tx1">
-                    <a:lumMod val="95000"/>
-                    <a:lumOff val="5000"/>
-                  </a:schemeClr>
-                </a:solidFill>
-              </a:rPr>
-              <a:t>　</a:t>
-            </a:r>
-            <a:r>
-              <a:rPr lang="en-US" altLang="ja-JP" sz="2400" dirty="0">
-                <a:solidFill>
-                  <a:schemeClr val="tx1">
-                    <a:lumMod val="95000"/>
-                    <a:lumOff val="5000"/>
-                  </a:schemeClr>
-                </a:solidFill>
-              </a:rPr>
-              <a:t>1/25</a:t>
-            </a:r>
+              <a:t>青にしました</a:t>
+            </a:r>
+            <a:endParaRPr kumimoji="1" lang="ja-JP" altLang="en-US" dirty="0">
+              <a:solidFill>
+                <a:srgbClr val="FF0000"/>
+              </a:solidFill>
+            </a:endParaRPr>
           </a:p>
         </p:txBody>
       </p:sp>
     </p:spTree>
     <p:extLst>
       <p:ext uri="{BB962C8B-B14F-4D97-AF65-F5344CB8AC3E}">
-        <p14:creationId xmlns:p14="http://schemas.microsoft.com/office/powerpoint/2010/main" val="1239599001"/>
+        <p14:creationId xmlns:p14="http://schemas.microsoft.com/office/powerpoint/2010/main" val="2968244372"/>
       </p:ext>
     </p:extLst>
   </p:cSld>
